--- a/files/slides/lecture_1.pptx
+++ b/files/slides/lecture_1.pptx
@@ -6516,7 +6516,106 @@
                   <a:cs typeface="微软雅黑" panose="020B0503020204020204" pitchFamily="34" charset="-122"/>
                   <a:sym typeface="+mn-ea"/>
                 </a:rPr>
-                <a:t>信用产生的前提条件是私有制和社会分工。劳动者各自占有不同劳动产品，剩余产品有了流通。商品流通出现了矛盾—“一手交钱、一手交货”。 一些商品生产者出售商品时，购买者却可能因自己的商品尚未卖出而无钱购买。</a:t>
+                <a:t>信用产生的前提条件是</a:t>
+              </a:r>
+              <a:r>
+                <a:rPr lang="zh-CN" altLang="en-US" sz="1600" noProof="0" dirty="0">
+                  <a:ln>
+                    <a:noFill/>
+                  </a:ln>
+                  <a:solidFill>
+                    <a:srgbClr val="00B0F0"/>
+                  </a:solidFill>
+                  <a:effectLst/>
+                  <a:uLnTx/>
+                  <a:uFillTx/>
+                  <a:latin typeface="微软雅黑" panose="020B0503020204020204" pitchFamily="34" charset="-122"/>
+                  <a:ea typeface="微软雅黑" panose="020B0503020204020204" pitchFamily="34" charset="-122"/>
+                  <a:cs typeface="微软雅黑" panose="020B0503020204020204" pitchFamily="34" charset="-122"/>
+                  <a:sym typeface="+mn-ea"/>
+                </a:rPr>
+                <a:t>私有制</a:t>
+              </a:r>
+              <a:r>
+                <a:rPr lang="zh-CN" altLang="en-US" sz="1600" noProof="0" dirty="0">
+                  <a:ln>
+                    <a:noFill/>
+                  </a:ln>
+                  <a:effectLst/>
+                  <a:uLnTx/>
+                  <a:uFillTx/>
+                  <a:latin typeface="微软雅黑" panose="020B0503020204020204" pitchFamily="34" charset="-122"/>
+                  <a:ea typeface="微软雅黑" panose="020B0503020204020204" pitchFamily="34" charset="-122"/>
+                  <a:cs typeface="微软雅黑" panose="020B0503020204020204" pitchFamily="34" charset="-122"/>
+                  <a:sym typeface="+mn-ea"/>
+                </a:rPr>
+                <a:t>和</a:t>
+              </a:r>
+              <a:r>
+                <a:rPr lang="zh-CN" altLang="en-US" sz="1600" noProof="0" dirty="0">
+                  <a:ln>
+                    <a:noFill/>
+                  </a:ln>
+                  <a:solidFill>
+                    <a:srgbClr val="00B0F0"/>
+                  </a:solidFill>
+                  <a:effectLst/>
+                  <a:uLnTx/>
+                  <a:uFillTx/>
+                  <a:latin typeface="微软雅黑" panose="020B0503020204020204" pitchFamily="34" charset="-122"/>
+                  <a:ea typeface="微软雅黑" panose="020B0503020204020204" pitchFamily="34" charset="-122"/>
+                  <a:cs typeface="微软雅黑" panose="020B0503020204020204" pitchFamily="34" charset="-122"/>
+                  <a:sym typeface="+mn-ea"/>
+                </a:rPr>
+                <a:t>社会分工</a:t>
+              </a:r>
+              <a:r>
+                <a:rPr lang="zh-CN" altLang="en-US" sz="1600" noProof="0" dirty="0">
+                  <a:ln>
+                    <a:noFill/>
+                  </a:ln>
+                  <a:effectLst/>
+                  <a:uLnTx/>
+                  <a:uFillTx/>
+                  <a:latin typeface="微软雅黑" panose="020B0503020204020204" pitchFamily="34" charset="-122"/>
+                  <a:ea typeface="微软雅黑" panose="020B0503020204020204" pitchFamily="34" charset="-122"/>
+                  <a:cs typeface="微软雅黑" panose="020B0503020204020204" pitchFamily="34" charset="-122"/>
+                  <a:sym typeface="+mn-ea"/>
+                </a:rPr>
+                <a:t>。劳动者各自占有不同劳动产品，剩余产品有了流通。商品流通出现了矛盾—“一手交钱、一手交货”。 一些商品生产者出售商品时，购买者却</a:t>
+              </a:r>
+              <a:r>
+                <a:rPr lang="zh-CN" altLang="en-US" sz="1600" noProof="0" dirty="0">
+                  <a:ln>
+                    <a:noFill/>
+                  </a:ln>
+                  <a:solidFill>
+                    <a:srgbClr val="00B0F0"/>
+                  </a:solidFill>
+                  <a:effectLst/>
+                  <a:uLnTx/>
+                  <a:uFillTx/>
+                  <a:latin typeface="微软雅黑" panose="020B0503020204020204" pitchFamily="34" charset="-122"/>
+                  <a:ea typeface="微软雅黑" panose="020B0503020204020204" pitchFamily="34" charset="-122"/>
+                  <a:cs typeface="微软雅黑" panose="020B0503020204020204" pitchFamily="34" charset="-122"/>
+                  <a:sym typeface="+mn-ea"/>
+                </a:rPr>
+                <a:t>可能因自己的商品尚未卖出</a:t>
+              </a:r>
+              <a:r>
+                <a:rPr lang="zh-CN" altLang="en-US" sz="1600" noProof="0" dirty="0">
+                  <a:ln>
+                    <a:noFill/>
+                  </a:ln>
+                  <a:effectLst/>
+                  <a:uLnTx/>
+                  <a:uFillTx/>
+                  <a:latin typeface="微软雅黑" panose="020B0503020204020204" pitchFamily="34" charset="-122"/>
+                  <a:ea typeface="微软雅黑" panose="020B0503020204020204" pitchFamily="34" charset="-122"/>
+                  <a:cs typeface="微软雅黑" panose="020B0503020204020204" pitchFamily="34" charset="-122"/>
+                  <a:sym typeface="+mn-ea"/>
+                </a:rPr>
+                <a:t>而无钱购买。</a:t>
               </a:r>
               <a:endParaRPr lang="zh-CN" altLang="en-US" sz="1600" noProof="0" dirty="0">
                 <a:ln>
@@ -6546,7 +6645,7 @@
                     <a:noFill/>
                   </a:ln>
                   <a:solidFill>
-                    <a:srgbClr val="FF0000"/>
+                    <a:srgbClr val="00B0F0"/>
                   </a:solidFill>
                   <a:effectLst/>
                   <a:uLnTx/>
@@ -6596,10 +6695,10 @@
           </p:nvGrpSpPr>
           <p:grpSpPr>
             <a:xfrm>
-              <a:off x="7210" y="3270"/>
-              <a:ext cx="7118" cy="6300"/>
-              <a:chOff x="1514" y="1446"/>
-              <a:chExt cx="3670" cy="2106"/>
+              <a:off x="7650" y="3270"/>
+              <a:ext cx="6678" cy="6306"/>
+              <a:chOff x="1741" y="1446"/>
+              <a:chExt cx="3443" cy="2108"/>
             </a:xfrm>
           </p:grpSpPr>
           <p:sp>
@@ -7610,7 +7709,7 @@
             </p:nvSpPr>
             <p:spPr>
               <a:xfrm>
-                <a:off x="1515" y="3022"/>
+                <a:off x="1742" y="3026"/>
                 <a:ext cx="2571" cy="340"/>
               </a:xfrm>
               <a:custGeom>
@@ -8049,7 +8148,7 @@
             </p:nvSpPr>
             <p:spPr bwMode="gray">
               <a:xfrm>
-                <a:off x="1514" y="3363"/>
+                <a:off x="1741" y="3367"/>
                 <a:ext cx="2213" cy="187"/>
               </a:xfrm>
               <a:prstGeom prst="rect">
@@ -8343,7 +8442,7 @@
                   <a:cs typeface="微软雅黑" panose="020B0503020204020204" pitchFamily="34" charset="-122"/>
                   <a:sym typeface="+mn-ea"/>
                 </a:rPr>
-                <a:t>赊销使买卖双方形成债权、债务关系，即信用关系。赊销到期支付货款时，货币只充当支付手段。商品在早已让渡之后独立完成价值的实现，确保了信用的兑现。整个过程区别于实物交易和现金交易，即</a:t>
+                <a:t>赊销使买卖双方形成</a:t>
               </a:r>
               <a:r>
                 <a:rPr lang="zh-CN" altLang="en-US" sz="1600" noProof="0" dirty="0">
@@ -8351,7 +8450,73 @@
                     <a:noFill/>
                   </a:ln>
                   <a:solidFill>
-                    <a:srgbClr val="FF0000"/>
+                    <a:srgbClr val="00B0F0"/>
+                  </a:solidFill>
+                  <a:effectLst/>
+                  <a:uLnTx/>
+                  <a:uFillTx/>
+                  <a:latin typeface="微软雅黑" panose="020B0503020204020204" pitchFamily="34" charset="-122"/>
+                  <a:ea typeface="微软雅黑" panose="020B0503020204020204" pitchFamily="34" charset="-122"/>
+                  <a:cs typeface="微软雅黑" panose="020B0503020204020204" pitchFamily="34" charset="-122"/>
+                  <a:sym typeface="+mn-ea"/>
+                </a:rPr>
+                <a:t>债权、债务关系</a:t>
+              </a:r>
+              <a:r>
+                <a:rPr lang="zh-CN" altLang="en-US" sz="1600" noProof="0" dirty="0">
+                  <a:ln>
+                    <a:noFill/>
+                  </a:ln>
+                  <a:effectLst/>
+                  <a:uLnTx/>
+                  <a:uFillTx/>
+                  <a:latin typeface="微软雅黑" panose="020B0503020204020204" pitchFamily="34" charset="-122"/>
+                  <a:ea typeface="微软雅黑" panose="020B0503020204020204" pitchFamily="34" charset="-122"/>
+                  <a:cs typeface="微软雅黑" panose="020B0503020204020204" pitchFamily="34" charset="-122"/>
+                  <a:sym typeface="+mn-ea"/>
+                </a:rPr>
+                <a:t>，即</a:t>
+              </a:r>
+              <a:r>
+                <a:rPr lang="zh-CN" altLang="en-US" sz="1600" noProof="0" dirty="0">
+                  <a:ln>
+                    <a:noFill/>
+                  </a:ln>
+                  <a:solidFill>
+                    <a:srgbClr val="00B0F0"/>
+                  </a:solidFill>
+                  <a:effectLst/>
+                  <a:uLnTx/>
+                  <a:uFillTx/>
+                  <a:latin typeface="微软雅黑" panose="020B0503020204020204" pitchFamily="34" charset="-122"/>
+                  <a:ea typeface="微软雅黑" panose="020B0503020204020204" pitchFamily="34" charset="-122"/>
+                  <a:cs typeface="微软雅黑" panose="020B0503020204020204" pitchFamily="34" charset="-122"/>
+                  <a:sym typeface="+mn-ea"/>
+                </a:rPr>
+                <a:t>信用关系</a:t>
+              </a:r>
+              <a:r>
+                <a:rPr lang="zh-CN" altLang="en-US" sz="1600" noProof="0" dirty="0">
+                  <a:ln>
+                    <a:noFill/>
+                  </a:ln>
+                  <a:effectLst/>
+                  <a:uLnTx/>
+                  <a:uFillTx/>
+                  <a:latin typeface="微软雅黑" panose="020B0503020204020204" pitchFamily="34" charset="-122"/>
+                  <a:ea typeface="微软雅黑" panose="020B0503020204020204" pitchFamily="34" charset="-122"/>
+                  <a:cs typeface="微软雅黑" panose="020B0503020204020204" pitchFamily="34" charset="-122"/>
+                  <a:sym typeface="+mn-ea"/>
+                </a:rPr>
+                <a:t>。赊销到期支付货款时，货币只充当支付手段。商品早已在让渡之后独立完成价值的实现，确保了信用的兑现。整个过程区别于实物交易和现金交易，即</a:t>
+              </a:r>
+              <a:r>
+                <a:rPr lang="zh-CN" altLang="en-US" sz="1600" noProof="0" dirty="0">
+                  <a:ln>
+                    <a:noFill/>
+                  </a:ln>
+                  <a:solidFill>
+                    <a:srgbClr val="00B0F0"/>
                   </a:solidFill>
                   <a:effectLst/>
                   <a:uLnTx/>
@@ -8599,7 +8764,7 @@
                   <a:cs typeface="微软雅黑" panose="020B0503020204020204" pitchFamily="34" charset="-122"/>
                   <a:sym typeface="+mn-ea"/>
                 </a:rPr>
-                <a:t>后来，信用交易超出商品买卖的范围。货币加入交易过程，出现借贷活动。从此，货币的运动和信用关系连结在一起，形成新的范畴—金融。现代金融业市场行为的主体大多以延期付款的形式相互提供信用，即</a:t>
+                <a:t>后来，信用交易</a:t>
               </a:r>
               <a:r>
                 <a:rPr lang="zh-CN" altLang="en-US" sz="1600" noProof="0" dirty="0">
@@ -8607,7 +8772,139 @@
                     <a:noFill/>
                   </a:ln>
                   <a:solidFill>
-                    <a:srgbClr val="FF0000"/>
+                    <a:srgbClr val="00B0F0"/>
+                  </a:solidFill>
+                  <a:effectLst/>
+                  <a:uLnTx/>
+                  <a:uFillTx/>
+                  <a:latin typeface="微软雅黑" panose="020B0503020204020204" pitchFamily="34" charset="-122"/>
+                  <a:ea typeface="微软雅黑" panose="020B0503020204020204" pitchFamily="34" charset="-122"/>
+                  <a:cs typeface="微软雅黑" panose="020B0503020204020204" pitchFamily="34" charset="-122"/>
+                  <a:sym typeface="+mn-ea"/>
+                </a:rPr>
+                <a:t>超出商品买卖</a:t>
+              </a:r>
+              <a:r>
+                <a:rPr lang="zh-CN" altLang="en-US" sz="1600" noProof="0" dirty="0">
+                  <a:ln>
+                    <a:noFill/>
+                  </a:ln>
+                  <a:effectLst/>
+                  <a:uLnTx/>
+                  <a:uFillTx/>
+                  <a:latin typeface="微软雅黑" panose="020B0503020204020204" pitchFamily="34" charset="-122"/>
+                  <a:ea typeface="微软雅黑" panose="020B0503020204020204" pitchFamily="34" charset="-122"/>
+                  <a:cs typeface="微软雅黑" panose="020B0503020204020204" pitchFamily="34" charset="-122"/>
+                  <a:sym typeface="+mn-ea"/>
+                </a:rPr>
+                <a:t>的范围。</a:t>
+              </a:r>
+              <a:r>
+                <a:rPr lang="zh-CN" altLang="en-US" sz="1600" noProof="0" dirty="0">
+                  <a:ln>
+                    <a:noFill/>
+                  </a:ln>
+                  <a:solidFill>
+                    <a:srgbClr val="00B0F0"/>
+                  </a:solidFill>
+                  <a:effectLst/>
+                  <a:uLnTx/>
+                  <a:uFillTx/>
+                  <a:latin typeface="微软雅黑" panose="020B0503020204020204" pitchFamily="34" charset="-122"/>
+                  <a:ea typeface="微软雅黑" panose="020B0503020204020204" pitchFamily="34" charset="-122"/>
+                  <a:cs typeface="微软雅黑" panose="020B0503020204020204" pitchFamily="34" charset="-122"/>
+                  <a:sym typeface="+mn-ea"/>
+                </a:rPr>
+                <a:t>货币</a:t>
+              </a:r>
+              <a:r>
+                <a:rPr lang="zh-CN" altLang="en-US" sz="1600" noProof="0" dirty="0">
+                  <a:ln>
+                    <a:noFill/>
+                  </a:ln>
+                  <a:effectLst/>
+                  <a:uLnTx/>
+                  <a:uFillTx/>
+                  <a:latin typeface="微软雅黑" panose="020B0503020204020204" pitchFamily="34" charset="-122"/>
+                  <a:ea typeface="微软雅黑" panose="020B0503020204020204" pitchFamily="34" charset="-122"/>
+                  <a:cs typeface="微软雅黑" panose="020B0503020204020204" pitchFamily="34" charset="-122"/>
+                  <a:sym typeface="+mn-ea"/>
+                </a:rPr>
+                <a:t>加入交易过程，出现借贷活动。从此，货币的运动和信用关系连结在一起，形成新的范畴—</a:t>
+              </a:r>
+              <a:r>
+                <a:rPr lang="zh-CN" altLang="en-US" sz="1600" noProof="0" dirty="0">
+                  <a:ln>
+                    <a:noFill/>
+                  </a:ln>
+                  <a:solidFill>
+                    <a:srgbClr val="00B0F0"/>
+                  </a:solidFill>
+                  <a:effectLst/>
+                  <a:uLnTx/>
+                  <a:uFillTx/>
+                  <a:latin typeface="微软雅黑" panose="020B0503020204020204" pitchFamily="34" charset="-122"/>
+                  <a:ea typeface="微软雅黑" panose="020B0503020204020204" pitchFamily="34" charset="-122"/>
+                  <a:cs typeface="微软雅黑" panose="020B0503020204020204" pitchFamily="34" charset="-122"/>
+                  <a:sym typeface="+mn-ea"/>
+                </a:rPr>
+                <a:t>金融</a:t>
+              </a:r>
+              <a:r>
+                <a:rPr lang="zh-CN" altLang="en-US" sz="1600" noProof="0" dirty="0">
+                  <a:ln>
+                    <a:noFill/>
+                  </a:ln>
+                  <a:effectLst/>
+                  <a:uLnTx/>
+                  <a:uFillTx/>
+                  <a:latin typeface="微软雅黑" panose="020B0503020204020204" pitchFamily="34" charset="-122"/>
+                  <a:ea typeface="微软雅黑" panose="020B0503020204020204" pitchFamily="34" charset="-122"/>
+                  <a:cs typeface="微软雅黑" panose="020B0503020204020204" pitchFamily="34" charset="-122"/>
+                  <a:sym typeface="+mn-ea"/>
+                </a:rPr>
+                <a:t>。现代金融业市场行为的主体大多以</a:t>
+              </a:r>
+              <a:r>
+                <a:rPr lang="zh-CN" altLang="en-US" sz="1600" noProof="0" dirty="0">
+                  <a:ln>
+                    <a:noFill/>
+                  </a:ln>
+                  <a:solidFill>
+                    <a:srgbClr val="00B0F0"/>
+                  </a:solidFill>
+                  <a:effectLst/>
+                  <a:uLnTx/>
+                  <a:uFillTx/>
+                  <a:latin typeface="微软雅黑" panose="020B0503020204020204" pitchFamily="34" charset="-122"/>
+                  <a:ea typeface="微软雅黑" panose="020B0503020204020204" pitchFamily="34" charset="-122"/>
+                  <a:cs typeface="微软雅黑" panose="020B0503020204020204" pitchFamily="34" charset="-122"/>
+                  <a:sym typeface="+mn-ea"/>
+                </a:rPr>
+                <a:t>延期付款</a:t>
+              </a:r>
+              <a:r>
+                <a:rPr lang="zh-CN" altLang="en-US" sz="1600" noProof="0" dirty="0">
+                  <a:ln>
+                    <a:noFill/>
+                  </a:ln>
+                  <a:effectLst/>
+                  <a:uLnTx/>
+                  <a:uFillTx/>
+                  <a:latin typeface="微软雅黑" panose="020B0503020204020204" pitchFamily="34" charset="-122"/>
+                  <a:ea typeface="微软雅黑" panose="020B0503020204020204" pitchFamily="34" charset="-122"/>
+                  <a:cs typeface="微软雅黑" panose="020B0503020204020204" pitchFamily="34" charset="-122"/>
+                  <a:sym typeface="+mn-ea"/>
+                </a:rPr>
+                <a:t>的形式相互提供信用，即</a:t>
+              </a:r>
+              <a:r>
+                <a:rPr lang="zh-CN" altLang="en-US" sz="1600" noProof="0" dirty="0">
+                  <a:ln>
+                    <a:noFill/>
+                  </a:ln>
+                  <a:solidFill>
+                    <a:srgbClr val="00B0F0"/>
                   </a:solidFill>
                   <a:effectLst/>
                   <a:uLnTx/>
@@ -8863,7 +9160,7 @@
                     <a:noFill/>
                   </a:ln>
                   <a:solidFill>
-                    <a:srgbClr val="FF0000"/>
+                    <a:srgbClr val="00B0F0"/>
                   </a:solidFill>
                   <a:effectLst/>
                   <a:uLnTx/>
@@ -8888,7 +9185,73 @@
                   <a:cs typeface="微软雅黑" panose="020B0503020204020204" pitchFamily="34" charset="-122"/>
                   <a:sym typeface="+mn-ea"/>
                 </a:rPr>
-                <a:t>逐步取代商业信用，成为现代经济活动中最重要的信用形式。</a:t>
+                <a:t>逐步取代</a:t>
+              </a:r>
+              <a:r>
+                <a:rPr lang="zh-CN" altLang="en-US" sz="1600" noProof="0" dirty="0">
+                  <a:ln>
+                    <a:noFill/>
+                  </a:ln>
+                  <a:solidFill>
+                    <a:srgbClr val="00B0F0"/>
+                  </a:solidFill>
+                  <a:effectLst/>
+                  <a:uLnTx/>
+                  <a:uFillTx/>
+                  <a:latin typeface="微软雅黑" panose="020B0503020204020204" pitchFamily="34" charset="-122"/>
+                  <a:ea typeface="微软雅黑" panose="020B0503020204020204" pitchFamily="34" charset="-122"/>
+                  <a:cs typeface="微软雅黑" panose="020B0503020204020204" pitchFamily="34" charset="-122"/>
+                  <a:sym typeface="+mn-ea"/>
+                </a:rPr>
+                <a:t>商业信用</a:t>
+              </a:r>
+              <a:r>
+                <a:rPr lang="zh-CN" altLang="en-US" sz="1600" noProof="0" dirty="0">
+                  <a:ln>
+                    <a:noFill/>
+                  </a:ln>
+                  <a:effectLst/>
+                  <a:uLnTx/>
+                  <a:uFillTx/>
+                  <a:latin typeface="微软雅黑" panose="020B0503020204020204" pitchFamily="34" charset="-122"/>
+                  <a:ea typeface="微软雅黑" panose="020B0503020204020204" pitchFamily="34" charset="-122"/>
+                  <a:cs typeface="微软雅黑" panose="020B0503020204020204" pitchFamily="34" charset="-122"/>
+                  <a:sym typeface="+mn-ea"/>
+                </a:rPr>
+                <a:t>，成为</a:t>
+              </a:r>
+              <a:r>
+                <a:rPr lang="zh-CN" altLang="en-US" sz="1600" noProof="0" dirty="0">
+                  <a:ln>
+                    <a:noFill/>
+                  </a:ln>
+                  <a:solidFill>
+                    <a:srgbClr val="00B0F0"/>
+                  </a:solidFill>
+                  <a:effectLst/>
+                  <a:uLnTx/>
+                  <a:uFillTx/>
+                  <a:latin typeface="微软雅黑" panose="020B0503020204020204" pitchFamily="34" charset="-122"/>
+                  <a:ea typeface="微软雅黑" panose="020B0503020204020204" pitchFamily="34" charset="-122"/>
+                  <a:cs typeface="微软雅黑" panose="020B0503020204020204" pitchFamily="34" charset="-122"/>
+                  <a:sym typeface="+mn-ea"/>
+                </a:rPr>
+                <a:t>现代经济活动中最重要的信用形式</a:t>
+              </a:r>
+              <a:r>
+                <a:rPr lang="zh-CN" altLang="en-US" sz="1600" noProof="0" dirty="0">
+                  <a:ln>
+                    <a:noFill/>
+                  </a:ln>
+                  <a:effectLst/>
+                  <a:uLnTx/>
+                  <a:uFillTx/>
+                  <a:latin typeface="微软雅黑" panose="020B0503020204020204" pitchFamily="34" charset="-122"/>
+                  <a:ea typeface="微软雅黑" panose="020B0503020204020204" pitchFamily="34" charset="-122"/>
+                  <a:cs typeface="微软雅黑" panose="020B0503020204020204" pitchFamily="34" charset="-122"/>
+                  <a:sym typeface="+mn-ea"/>
+                </a:rPr>
+                <a:t>。</a:t>
               </a:r>
               <a:endParaRPr lang="zh-CN" altLang="en-US" sz="1600" noProof="0" dirty="0">
                 <a:ln>
@@ -9554,7 +9917,41 @@
                 <a:latin typeface="微软雅黑" panose="020B0503020204020204" pitchFamily="34" charset="-122"/>
                 <a:ea typeface="微软雅黑" panose="020B0503020204020204" pitchFamily="34" charset="-122"/>
               </a:rPr>
-              <a:t>总之，信用交易和信用制度是随着商品货币经济的不断发展而建立起来的；</a:t>
+              <a:t>总之，</a:t>
+            </a:r>
+            <a:r>
+              <a:rPr lang="zh-CN" altLang="en-US" sz="2400" dirty="0">
+                <a:solidFill>
+                  <a:srgbClr val="00B0F0"/>
+                </a:solidFill>
+                <a:latin typeface="微软雅黑" panose="020B0503020204020204" pitchFamily="34" charset="-122"/>
+                <a:ea typeface="微软雅黑" panose="020B0503020204020204" pitchFamily="34" charset="-122"/>
+              </a:rPr>
+              <a:t>信用交易和信用制度</a:t>
+            </a:r>
+            <a:r>
+              <a:rPr lang="zh-CN" altLang="en-US" sz="2400" dirty="0">
+                <a:latin typeface="微软雅黑" panose="020B0503020204020204" pitchFamily="34" charset="-122"/>
+                <a:ea typeface="微软雅黑" panose="020B0503020204020204" pitchFamily="34" charset="-122"/>
+              </a:rPr>
+              <a:t>是</a:t>
+            </a:r>
+            <a:r>
+              <a:rPr lang="zh-CN" altLang="en-US" sz="2400" dirty="0">
+                <a:solidFill>
+                  <a:srgbClr val="00B0F0"/>
+                </a:solidFill>
+                <a:latin typeface="微软雅黑" panose="020B0503020204020204" pitchFamily="34" charset="-122"/>
+                <a:ea typeface="微软雅黑" panose="020B0503020204020204" pitchFamily="34" charset="-122"/>
+              </a:rPr>
+              <a:t>随着商品货币经济的不断发展</a:t>
+            </a:r>
+            <a:r>
+              <a:rPr lang="zh-CN" altLang="en-US" sz="2400" dirty="0">
+                <a:latin typeface="微软雅黑" panose="020B0503020204020204" pitchFamily="34" charset="-122"/>
+                <a:ea typeface="微软雅黑" panose="020B0503020204020204" pitchFamily="34" charset="-122"/>
+              </a:rPr>
+              <a:t>而建立起来的；</a:t>
             </a:r>
             <a:endParaRPr lang="zh-CN" altLang="en-US" sz="2400" dirty="0">
               <a:latin typeface="微软雅黑" panose="020B0503020204020204" pitchFamily="34" charset="-122"/>
@@ -9575,7 +9972,24 @@
                 <a:latin typeface="微软雅黑" panose="020B0503020204020204" pitchFamily="34" charset="-122"/>
                 <a:ea typeface="微软雅黑" panose="020B0503020204020204" pitchFamily="34" charset="-122"/>
               </a:rPr>
-              <a:t>进而，信用交易的产生和信用制度的建立促进了商品交换和金融工具的发展；</a:t>
+              <a:t>进而，信用交易的产生和信用制度的建立</a:t>
+            </a:r>
+            <a:r>
+              <a:rPr lang="zh-CN" altLang="en-US" sz="2400" dirty="0">
+                <a:solidFill>
+                  <a:srgbClr val="00B0F0"/>
+                </a:solidFill>
+                <a:latin typeface="微软雅黑" panose="020B0503020204020204" pitchFamily="34" charset="-122"/>
+                <a:ea typeface="微软雅黑" panose="020B0503020204020204" pitchFamily="34" charset="-122"/>
+              </a:rPr>
+              <a:t>促进了商品交换和金融工具的发展</a:t>
+            </a:r>
+            <a:r>
+              <a:rPr lang="zh-CN" altLang="en-US" sz="2400" dirty="0">
+                <a:latin typeface="微软雅黑" panose="020B0503020204020204" pitchFamily="34" charset="-122"/>
+                <a:ea typeface="微软雅黑" panose="020B0503020204020204" pitchFamily="34" charset="-122"/>
+              </a:rPr>
+              <a:t>；</a:t>
             </a:r>
             <a:endParaRPr lang="zh-CN" altLang="en-US" sz="2400" dirty="0">
               <a:latin typeface="微软雅黑" panose="020B0503020204020204" pitchFamily="34" charset="-122"/>
@@ -9596,7 +10010,41 @@
                 <a:latin typeface="微软雅黑" panose="020B0503020204020204" pitchFamily="34" charset="-122"/>
                 <a:ea typeface="微软雅黑" panose="020B0503020204020204" pitchFamily="34" charset="-122"/>
               </a:rPr>
-              <a:t>最终，现代市场经济发展成为建立在错综复杂的信用关系之上的信用经济。</a:t>
+              <a:t>最终，</a:t>
+            </a:r>
+            <a:r>
+              <a:rPr lang="zh-CN" altLang="en-US" sz="2400" dirty="0">
+                <a:solidFill>
+                  <a:srgbClr val="00B0F0"/>
+                </a:solidFill>
+                <a:latin typeface="微软雅黑" panose="020B0503020204020204" pitchFamily="34" charset="-122"/>
+                <a:ea typeface="微软雅黑" panose="020B0503020204020204" pitchFamily="34" charset="-122"/>
+              </a:rPr>
+              <a:t>现代市场经济</a:t>
+            </a:r>
+            <a:r>
+              <a:rPr lang="zh-CN" altLang="en-US" sz="2400" dirty="0">
+                <a:latin typeface="微软雅黑" panose="020B0503020204020204" pitchFamily="34" charset="-122"/>
+                <a:ea typeface="微软雅黑" panose="020B0503020204020204" pitchFamily="34" charset="-122"/>
+              </a:rPr>
+              <a:t>发展成为建立在错综复杂的信用关系之上的</a:t>
+            </a:r>
+            <a:r>
+              <a:rPr lang="zh-CN" altLang="en-US" sz="2400" dirty="0">
+                <a:solidFill>
+                  <a:srgbClr val="00B0F0"/>
+                </a:solidFill>
+                <a:latin typeface="微软雅黑" panose="020B0503020204020204" pitchFamily="34" charset="-122"/>
+                <a:ea typeface="微软雅黑" panose="020B0503020204020204" pitchFamily="34" charset="-122"/>
+              </a:rPr>
+              <a:t>信用经济</a:t>
+            </a:r>
+            <a:r>
+              <a:rPr lang="zh-CN" altLang="en-US" sz="2400" dirty="0">
+                <a:latin typeface="微软雅黑" panose="020B0503020204020204" pitchFamily="34" charset="-122"/>
+                <a:ea typeface="微软雅黑" panose="020B0503020204020204" pitchFamily="34" charset="-122"/>
+              </a:rPr>
+              <a:t>。</a:t>
             </a:r>
             <a:endParaRPr lang="zh-CN" altLang="en-US" sz="2400" dirty="0">
               <a:latin typeface="微软雅黑" panose="020B0503020204020204" pitchFamily="34" charset="-122"/>
@@ -10245,10 +10693,13 @@
               <a:defRPr/>
             </a:pPr>
             <a:r>
-              <a:rPr kumimoji="0" lang="zh-CN" sz="2000" b="1" i="0" u="none" strike="noStrike" kern="1200" cap="none" spc="0" normalizeH="0" baseline="0" noProof="0" dirty="0">
+              <a:rPr kumimoji="0" lang="zh-CN" sz="2000" i="0" u="none" strike="noStrike" kern="1200" cap="none" spc="0" normalizeH="0" baseline="0" noProof="0" dirty="0">
                 <a:ln>
                   <a:noFill/>
                 </a:ln>
+                <a:solidFill>
+                  <a:schemeClr val="tx1"/>
+                </a:solidFill>
                 <a:effectLst/>
                 <a:uLnTx/>
                 <a:uFillTx/>
@@ -10259,12 +10710,12 @@
               <a:t>按债权人和债务人结合的特点分类，分为</a:t>
             </a:r>
             <a:r>
-              <a:rPr kumimoji="0" lang="zh-CN" sz="2000" b="1" i="0" u="none" strike="noStrike" kern="1200" cap="none" spc="0" normalizeH="0" baseline="0" noProof="0" dirty="0">
+              <a:rPr kumimoji="0" lang="zh-CN" sz="2000" i="0" u="none" strike="noStrike" kern="1200" cap="none" spc="0" normalizeH="0" baseline="0" noProof="0" dirty="0">
                 <a:ln>
                   <a:noFill/>
                 </a:ln>
                 <a:solidFill>
-                  <a:schemeClr val="accent4"/>
+                  <a:srgbClr val="00B0F0"/>
                 </a:solidFill>
                 <a:effectLst/>
                 <a:uLnTx/>
@@ -10276,10 +10727,13 @@
               <a:t>直接信用</a:t>
             </a:r>
             <a:r>
-              <a:rPr kumimoji="0" lang="zh-CN" sz="2000" b="1" i="0" u="none" strike="noStrike" kern="1200" cap="none" spc="0" normalizeH="0" baseline="0" noProof="0" dirty="0">
+              <a:rPr kumimoji="0" lang="zh-CN" sz="2000" i="0" u="none" strike="noStrike" kern="1200" cap="none" spc="0" normalizeH="0" baseline="0" noProof="0" dirty="0">
                 <a:ln>
                   <a:noFill/>
                 </a:ln>
+                <a:solidFill>
+                  <a:schemeClr val="tx1"/>
+                </a:solidFill>
                 <a:effectLst/>
                 <a:uLnTx/>
                 <a:uFillTx/>
@@ -10290,12 +10744,12 @@
               <a:t>和</a:t>
             </a:r>
             <a:r>
-              <a:rPr kumimoji="0" lang="zh-CN" sz="2000" b="1" i="0" u="none" strike="noStrike" kern="1200" cap="none" spc="0" normalizeH="0" baseline="0" noProof="0" dirty="0">
+              <a:rPr kumimoji="0" lang="zh-CN" sz="2000" i="0" u="none" strike="noStrike" kern="1200" cap="none" spc="0" normalizeH="0" baseline="0" noProof="0" dirty="0">
                 <a:ln>
                   <a:noFill/>
                 </a:ln>
                 <a:solidFill>
-                  <a:schemeClr val="accent4"/>
+                  <a:srgbClr val="00B0F0"/>
                 </a:solidFill>
                 <a:effectLst/>
                 <a:uLnTx/>
@@ -10307,10 +10761,13 @@
               <a:t>间接信用</a:t>
             </a:r>
             <a:r>
-              <a:rPr kumimoji="0" lang="zh-CN" sz="2000" b="1" i="0" u="none" strike="noStrike" kern="1200" cap="none" spc="0" normalizeH="0" baseline="0" noProof="0" dirty="0">
+              <a:rPr kumimoji="0" lang="zh-CN" sz="2000" i="0" u="none" strike="noStrike" kern="1200" cap="none" spc="0" normalizeH="0" baseline="0" noProof="0" dirty="0">
                 <a:ln>
                   <a:noFill/>
                 </a:ln>
+                <a:solidFill>
+                  <a:schemeClr val="tx1"/>
+                </a:solidFill>
                 <a:effectLst/>
                 <a:uLnTx/>
                 <a:uFillTx/>
@@ -10320,10 +10777,13 @@
               </a:rPr>
               <a:t>。</a:t>
             </a:r>
-            <a:endParaRPr kumimoji="0" lang="zh-CN" sz="2000" b="1" i="0" u="none" strike="noStrike" kern="1200" cap="none" spc="0" normalizeH="0" baseline="0" noProof="0" dirty="0">
+            <a:endParaRPr kumimoji="0" lang="zh-CN" sz="2000" i="0" u="none" strike="noStrike" kern="1200" cap="none" spc="0" normalizeH="0" baseline="0" noProof="0" dirty="0">
               <a:ln>
                 <a:noFill/>
               </a:ln>
+              <a:solidFill>
+                <a:schemeClr val="tx1"/>
+              </a:solidFill>
               <a:effectLst/>
               <a:uLnTx/>
               <a:uFillTx/>
@@ -10366,7 +10826,7 @@
             <a:r>
               <a:rPr lang="zh-CN" altLang="en-US" sz="2000">
                 <a:solidFill>
-                  <a:srgbClr val="FF0000"/>
+                  <a:srgbClr val="00B0F0"/>
                 </a:solidFill>
                 <a:latin typeface="微软雅黑" panose="020B0503020204020204" pitchFamily="34" charset="-122"/>
                 <a:ea typeface="微软雅黑" panose="020B0503020204020204" pitchFamily="34" charset="-122"/>
@@ -10380,7 +10840,83 @@
                 <a:ea typeface="微软雅黑" panose="020B0503020204020204" pitchFamily="34" charset="-122"/>
                 <a:cs typeface="微软雅黑" panose="020B0503020204020204" pitchFamily="34" charset="-122"/>
               </a:rPr>
-              <a:t>，在这种方式下，公司、企业在金融市场上从资金所有者那里直接融通货币资金。其方式是发行股票或债券。资金供求双方直接建立金融联系，不需要中介。包括预付或赊销商品形式的商业信用、发行及买卖有价债券形式的公司信用、国家信用等。</a:t>
+              <a:t>，在这种方式下，公司、企业在金融市场上从资金所有者那里直接融通货币资金。其方式是发行股票或债券。资金供求双方直接建立金融联系，</a:t>
+            </a:r>
+            <a:r>
+              <a:rPr lang="zh-CN" altLang="en-US" sz="2000">
+                <a:solidFill>
+                  <a:srgbClr val="00B0F0"/>
+                </a:solidFill>
+                <a:latin typeface="微软雅黑" panose="020B0503020204020204" pitchFamily="34" charset="-122"/>
+                <a:ea typeface="微软雅黑" panose="020B0503020204020204" pitchFamily="34" charset="-122"/>
+                <a:cs typeface="微软雅黑" panose="020B0503020204020204" pitchFamily="34" charset="-122"/>
+              </a:rPr>
+              <a:t>不需要中介</a:t>
+            </a:r>
+            <a:r>
+              <a:rPr lang="zh-CN" altLang="en-US" sz="2000">
+                <a:latin typeface="微软雅黑" panose="020B0503020204020204" pitchFamily="34" charset="-122"/>
+                <a:ea typeface="微软雅黑" panose="020B0503020204020204" pitchFamily="34" charset="-122"/>
+                <a:cs typeface="微软雅黑" panose="020B0503020204020204" pitchFamily="34" charset="-122"/>
+              </a:rPr>
+              <a:t>。包括预付或赊销商品形式的</a:t>
+            </a:r>
+            <a:r>
+              <a:rPr lang="zh-CN" altLang="en-US" sz="2000">
+                <a:solidFill>
+                  <a:srgbClr val="00B0F0"/>
+                </a:solidFill>
+                <a:latin typeface="微软雅黑" panose="020B0503020204020204" pitchFamily="34" charset="-122"/>
+                <a:ea typeface="微软雅黑" panose="020B0503020204020204" pitchFamily="34" charset="-122"/>
+                <a:cs typeface="微软雅黑" panose="020B0503020204020204" pitchFamily="34" charset="-122"/>
+              </a:rPr>
+              <a:t>商业信用</a:t>
+            </a:r>
+            <a:r>
+              <a:rPr lang="zh-CN" altLang="en-US" sz="2000">
+                <a:latin typeface="微软雅黑" panose="020B0503020204020204" pitchFamily="34" charset="-122"/>
+                <a:ea typeface="微软雅黑" panose="020B0503020204020204" pitchFamily="34" charset="-122"/>
+                <a:cs typeface="微软雅黑" panose="020B0503020204020204" pitchFamily="34" charset="-122"/>
+              </a:rPr>
+              <a:t>、发行及买卖有价债券形式的</a:t>
+            </a:r>
+            <a:r>
+              <a:rPr lang="zh-CN" altLang="en-US" sz="2000">
+                <a:solidFill>
+                  <a:srgbClr val="00B0F0"/>
+                </a:solidFill>
+                <a:latin typeface="微软雅黑" panose="020B0503020204020204" pitchFamily="34" charset="-122"/>
+                <a:ea typeface="微软雅黑" panose="020B0503020204020204" pitchFamily="34" charset="-122"/>
+                <a:cs typeface="微软雅黑" panose="020B0503020204020204" pitchFamily="34" charset="-122"/>
+              </a:rPr>
+              <a:t>公司信用</a:t>
+            </a:r>
+            <a:r>
+              <a:rPr lang="zh-CN" altLang="en-US" sz="2000">
+                <a:latin typeface="微软雅黑" panose="020B0503020204020204" pitchFamily="34" charset="-122"/>
+                <a:ea typeface="微软雅黑" panose="020B0503020204020204" pitchFamily="34" charset="-122"/>
+                <a:cs typeface="微软雅黑" panose="020B0503020204020204" pitchFamily="34" charset="-122"/>
+              </a:rPr>
+              <a:t>、</a:t>
+            </a:r>
+            <a:r>
+              <a:rPr lang="zh-CN" altLang="en-US" sz="2000">
+                <a:solidFill>
+                  <a:srgbClr val="00B0F0"/>
+                </a:solidFill>
+                <a:latin typeface="微软雅黑" panose="020B0503020204020204" pitchFamily="34" charset="-122"/>
+                <a:ea typeface="微软雅黑" panose="020B0503020204020204" pitchFamily="34" charset="-122"/>
+                <a:cs typeface="微软雅黑" panose="020B0503020204020204" pitchFamily="34" charset="-122"/>
+              </a:rPr>
+              <a:t>国家信用</a:t>
+            </a:r>
+            <a:r>
+              <a:rPr lang="zh-CN" altLang="en-US" sz="2000">
+                <a:latin typeface="微软雅黑" panose="020B0503020204020204" pitchFamily="34" charset="-122"/>
+                <a:ea typeface="微软雅黑" panose="020B0503020204020204" pitchFamily="34" charset="-122"/>
+                <a:cs typeface="微软雅黑" panose="020B0503020204020204" pitchFamily="34" charset="-122"/>
+              </a:rPr>
+              <a:t>等。</a:t>
             </a:r>
             <a:endParaRPr lang="zh-CN" altLang="en-US" sz="2000">
               <a:latin typeface="微软雅黑" panose="020B0503020204020204" pitchFamily="34" charset="-122"/>
@@ -10407,7 +10943,7 @@
             <a:r>
               <a:rPr lang="zh-CN" altLang="en-US" sz="2000">
                 <a:solidFill>
-                  <a:srgbClr val="FF0000"/>
+                  <a:srgbClr val="00B0F0"/>
                 </a:solidFill>
                 <a:latin typeface="微软雅黑" panose="020B0503020204020204" pitchFamily="34" charset="-122"/>
                 <a:ea typeface="微软雅黑" panose="020B0503020204020204" pitchFamily="34" charset="-122"/>
@@ -10421,7 +10957,26 @@
                 <a:ea typeface="微软雅黑" panose="020B0503020204020204" pitchFamily="34" charset="-122"/>
                 <a:cs typeface="微软雅黑" panose="020B0503020204020204" pitchFamily="34" charset="-122"/>
               </a:rPr>
-              <a:t>：通过各种金融中介进行借贷活动的信用方式，又称“间接金融”或“间接融资”。</a:t>
+              <a:t>：</a:t>
+            </a:r>
+            <a:r>
+              <a:rPr lang="zh-CN" altLang="en-US" sz="2000">
+                <a:solidFill>
+                  <a:srgbClr val="00B0F0"/>
+                </a:solidFill>
+                <a:latin typeface="微软雅黑" panose="020B0503020204020204" pitchFamily="34" charset="-122"/>
+                <a:ea typeface="微软雅黑" panose="020B0503020204020204" pitchFamily="34" charset="-122"/>
+                <a:cs typeface="微软雅黑" panose="020B0503020204020204" pitchFamily="34" charset="-122"/>
+              </a:rPr>
+              <a:t>通过各种金融中介</a:t>
+            </a:r>
+            <a:r>
+              <a:rPr lang="zh-CN" altLang="en-US" sz="2000">
+                <a:latin typeface="微软雅黑" panose="020B0503020204020204" pitchFamily="34" charset="-122"/>
+                <a:ea typeface="微软雅黑" panose="020B0503020204020204" pitchFamily="34" charset="-122"/>
+                <a:cs typeface="微软雅黑" panose="020B0503020204020204" pitchFamily="34" charset="-122"/>
+              </a:rPr>
+              <a:t>进行借贷活动的信用方式，又称“间接金融”或“间接融资”。</a:t>
             </a:r>
             <a:endParaRPr lang="zh-CN" altLang="en-US" sz="2000">
               <a:latin typeface="微软雅黑" panose="020B0503020204020204" pitchFamily="34" charset="-122"/>
@@ -10443,7 +10998,26 @@
                 <a:ea typeface="微软雅黑" panose="020B0503020204020204" pitchFamily="34" charset="-122"/>
                 <a:cs typeface="微软雅黑" panose="020B0503020204020204" pitchFamily="34" charset="-122"/>
               </a:rPr>
-              <a:t>　　债权人——金融中介——债务人</a:t>
+              <a:t>　　债权人——</a:t>
+            </a:r>
+            <a:r>
+              <a:rPr lang="zh-CN" altLang="en-US" sz="2000">
+                <a:solidFill>
+                  <a:srgbClr val="00B0F0"/>
+                </a:solidFill>
+                <a:latin typeface="微软雅黑" panose="020B0503020204020204" pitchFamily="34" charset="-122"/>
+                <a:ea typeface="微软雅黑" panose="020B0503020204020204" pitchFamily="34" charset="-122"/>
+                <a:cs typeface="微软雅黑" panose="020B0503020204020204" pitchFamily="34" charset="-122"/>
+              </a:rPr>
+              <a:t>金融中介</a:t>
+            </a:r>
+            <a:r>
+              <a:rPr lang="zh-CN" altLang="en-US" sz="2000">
+                <a:latin typeface="微软雅黑" panose="020B0503020204020204" pitchFamily="34" charset="-122"/>
+                <a:ea typeface="微软雅黑" panose="020B0503020204020204" pitchFamily="34" charset="-122"/>
+                <a:cs typeface="微软雅黑" panose="020B0503020204020204" pitchFamily="34" charset="-122"/>
+              </a:rPr>
+              <a:t>——债务人</a:t>
             </a:r>
             <a:endParaRPr lang="zh-CN" altLang="en-US" sz="2000">
               <a:latin typeface="微软雅黑" panose="020B0503020204020204" pitchFamily="34" charset="-122"/>
@@ -11128,7 +11702,7 @@
                     <a:noFill/>
                   </a:ln>
                   <a:solidFill>
-                    <a:schemeClr val="accent4"/>
+                    <a:srgbClr val="00B0F0"/>
                   </a:solidFill>
                   <a:effectLst/>
                   <a:uLnTx/>
@@ -11700,7 +12274,7 @@
               <a:r>
                 <a:rPr lang="zh-CN" altLang="zh-CN" sz="2000" dirty="0">
                   <a:solidFill>
-                    <a:srgbClr val="FF0000"/>
+                    <a:srgbClr val="00B0F0"/>
                   </a:solidFill>
                   <a:latin typeface="微软雅黑" panose="020B0503020204020204" pitchFamily="34" charset="-122"/>
                   <a:ea typeface="微软雅黑" panose="020B0503020204020204" pitchFamily="34" charset="-122"/>
@@ -11715,7 +12289,27 @@
                   <a:latin typeface="微软雅黑" panose="020B0503020204020204" pitchFamily="34" charset="-122"/>
                   <a:ea typeface="微软雅黑" panose="020B0503020204020204" pitchFamily="34" charset="-122"/>
                 </a:rPr>
-                <a:t>也称政府信用、公共信用，是指一个国家各级政府举债的能力。政府提供各种</a:t>
+                <a:t>也称政府信用、公共信用，是指一个国家</a:t>
+              </a:r>
+              <a:r>
+                <a:rPr lang="zh-CN" altLang="zh-CN" sz="2000" dirty="0">
+                  <a:solidFill>
+                    <a:srgbClr val="00B0F0"/>
+                  </a:solidFill>
+                  <a:latin typeface="微软雅黑" panose="020B0503020204020204" pitchFamily="34" charset="-122"/>
+                  <a:ea typeface="微软雅黑" panose="020B0503020204020204" pitchFamily="34" charset="-122"/>
+                </a:rPr>
+                <a:t>各级政府举债的能力</a:t>
+              </a:r>
+              <a:r>
+                <a:rPr lang="zh-CN" altLang="zh-CN" sz="2000" dirty="0">
+                  <a:solidFill>
+                    <a:schemeClr val="tx1"/>
+                  </a:solidFill>
+                  <a:latin typeface="微软雅黑" panose="020B0503020204020204" pitchFamily="34" charset="-122"/>
+                  <a:ea typeface="微软雅黑" panose="020B0503020204020204" pitchFamily="34" charset="-122"/>
+                </a:rPr>
+                <a:t>。政府提供各种</a:t>
               </a:r>
               <a:r>
                 <a:rPr lang="zh-CN" altLang="en-US" sz="2000" dirty="0">
@@ -12642,7 +13236,7 @@
               <a:r>
                 <a:rPr lang="zh-CN" altLang="zh-CN" sz="2000" dirty="0">
                   <a:solidFill>
-                    <a:srgbClr val="FF0000"/>
+                    <a:srgbClr val="00B0F0"/>
                   </a:solidFill>
                   <a:latin typeface="微软雅黑" panose="020B0503020204020204" pitchFamily="34" charset="-122"/>
                   <a:ea typeface="微软雅黑" panose="020B0503020204020204" pitchFamily="34" charset="-122"/>
@@ -12654,7 +13248,41 @@
                   <a:latin typeface="微软雅黑" panose="020B0503020204020204" pitchFamily="34" charset="-122"/>
                   <a:ea typeface="微软雅黑" panose="020B0503020204020204" pitchFamily="34" charset="-122"/>
                 </a:rPr>
-                <a:t>有两种形式。一是企业之间相互提供的、与商品的生产和流通有关的信用，如赊销、预付和分期付款等形式；二是企业直接向社会集资，主要采取发行公司（企业）债券的形式。</a:t>
+                <a:t>有两种形式。一是企业之间相互提供的、</a:t>
+              </a:r>
+              <a:r>
+                <a:rPr lang="zh-CN" altLang="zh-CN" sz="2000" dirty="0">
+                  <a:solidFill>
+                    <a:srgbClr val="00B0F0"/>
+                  </a:solidFill>
+                  <a:latin typeface="微软雅黑" panose="020B0503020204020204" pitchFamily="34" charset="-122"/>
+                  <a:ea typeface="微软雅黑" panose="020B0503020204020204" pitchFamily="34" charset="-122"/>
+                </a:rPr>
+                <a:t>与商品的生产和流通有关的信用</a:t>
+              </a:r>
+              <a:r>
+                <a:rPr lang="zh-CN" altLang="zh-CN" sz="2000" dirty="0">
+                  <a:latin typeface="微软雅黑" panose="020B0503020204020204" pitchFamily="34" charset="-122"/>
+                  <a:ea typeface="微软雅黑" panose="020B0503020204020204" pitchFamily="34" charset="-122"/>
+                </a:rPr>
+                <a:t>，如赊销、预付和分期付款等形式；二是</a:t>
+              </a:r>
+              <a:r>
+                <a:rPr lang="zh-CN" altLang="zh-CN" sz="2000" dirty="0">
+                  <a:solidFill>
+                    <a:srgbClr val="00B0F0"/>
+                  </a:solidFill>
+                  <a:latin typeface="微软雅黑" panose="020B0503020204020204" pitchFamily="34" charset="-122"/>
+                  <a:ea typeface="微软雅黑" panose="020B0503020204020204" pitchFamily="34" charset="-122"/>
+                </a:rPr>
+                <a:t>企业直接向社会集资</a:t>
+              </a:r>
+              <a:r>
+                <a:rPr lang="zh-CN" altLang="zh-CN" sz="2000" dirty="0">
+                  <a:latin typeface="微软雅黑" panose="020B0503020204020204" pitchFamily="34" charset="-122"/>
+                  <a:ea typeface="微软雅黑" panose="020B0503020204020204" pitchFamily="34" charset="-122"/>
+                </a:rPr>
+                <a:t>，主要采取发行公司（企业）债券的形式。</a:t>
               </a:r>
               <a:endParaRPr lang="zh-CN" altLang="zh-CN" sz="2000" dirty="0">
                 <a:latin typeface="微软雅黑" panose="020B0503020204020204" pitchFamily="34" charset="-122"/>
@@ -12931,7 +13559,7 @@
                   <a:noFill/>
                 </a:ln>
                 <a:solidFill>
-                  <a:schemeClr val="accent4"/>
+                  <a:srgbClr val="00B0F0"/>
                 </a:solidFill>
                 <a:effectLst/>
                 <a:uLnTx/>
@@ -13870,7 +14498,7 @@
               <a:r>
                 <a:rPr lang="zh-CN" altLang="zh-CN" sz="2000" dirty="0">
                   <a:solidFill>
-                    <a:srgbClr val="FF0000"/>
+                    <a:srgbClr val="00B0F0"/>
                   </a:solidFill>
                   <a:latin typeface="微软雅黑" panose="020B0503020204020204" pitchFamily="34" charset="-122"/>
                   <a:ea typeface="微软雅黑" panose="020B0503020204020204" pitchFamily="34" charset="-122"/>
@@ -13887,7 +14515,7 @@
               <a:r>
                 <a:rPr lang="zh-CN" altLang="zh-CN" sz="2000" dirty="0">
                   <a:solidFill>
-                    <a:srgbClr val="FF0000"/>
+                    <a:srgbClr val="00B0F0"/>
                   </a:solidFill>
                   <a:latin typeface="微软雅黑" panose="020B0503020204020204" pitchFamily="34" charset="-122"/>
                   <a:ea typeface="微软雅黑" panose="020B0503020204020204" pitchFamily="34" charset="-122"/>
@@ -14165,7 +14793,7 @@
                   <a:noFill/>
                 </a:ln>
                 <a:solidFill>
-                  <a:schemeClr val="accent4"/>
+                  <a:srgbClr val="00B0F0"/>
                 </a:solidFill>
                 <a:effectLst/>
                 <a:uLnTx/>
@@ -15128,7 +15756,7 @@
               <a:r>
                 <a:rPr lang="zh-CN" altLang="zh-CN" sz="2000" dirty="0">
                   <a:solidFill>
-                    <a:srgbClr val="FF0000"/>
+                    <a:srgbClr val="00B0F0"/>
                   </a:solidFill>
                   <a:latin typeface="微软雅黑" panose="020B0503020204020204" pitchFamily="34" charset="-122"/>
                   <a:ea typeface="微软雅黑" panose="020B0503020204020204" pitchFamily="34" charset="-122"/>
@@ -15140,7 +15768,58 @@
                   <a:latin typeface="微软雅黑" panose="020B0503020204020204" pitchFamily="34" charset="-122"/>
                   <a:ea typeface="微软雅黑" panose="020B0503020204020204" pitchFamily="34" charset="-122"/>
                 </a:rPr>
-                <a:t>是工商企业或银行以商品或货币形式向个人消费者提供的信用。消费信用的特点是债务人是消费者个人，举债的目的是用于消费，还本付息的基础是消费者未来的收入。</a:t>
+                <a:t>是工商企业或银行以</a:t>
+              </a:r>
+              <a:r>
+                <a:rPr lang="zh-CN" altLang="zh-CN" sz="2000" dirty="0">
+                  <a:solidFill>
+                    <a:srgbClr val="00B0F0"/>
+                  </a:solidFill>
+                  <a:latin typeface="微软雅黑" panose="020B0503020204020204" pitchFamily="34" charset="-122"/>
+                  <a:ea typeface="微软雅黑" panose="020B0503020204020204" pitchFamily="34" charset="-122"/>
+                </a:rPr>
+                <a:t>商品或货币</a:t>
+              </a:r>
+              <a:r>
+                <a:rPr lang="zh-CN" altLang="zh-CN" sz="2000" dirty="0">
+                  <a:latin typeface="微软雅黑" panose="020B0503020204020204" pitchFamily="34" charset="-122"/>
+                  <a:ea typeface="微软雅黑" panose="020B0503020204020204" pitchFamily="34" charset="-122"/>
+                </a:rPr>
+                <a:t>形式向个人消费者提供的信用。消费信用的特点是</a:t>
+              </a:r>
+              <a:r>
+                <a:rPr lang="zh-CN" altLang="zh-CN" sz="2000" dirty="0">
+                  <a:solidFill>
+                    <a:srgbClr val="00B0F0"/>
+                  </a:solidFill>
+                  <a:latin typeface="微软雅黑" panose="020B0503020204020204" pitchFamily="34" charset="-122"/>
+                  <a:ea typeface="微软雅黑" panose="020B0503020204020204" pitchFamily="34" charset="-122"/>
+                </a:rPr>
+                <a:t>债务人是消费者个人</a:t>
+              </a:r>
+              <a:r>
+                <a:rPr lang="zh-CN" altLang="zh-CN" sz="2000" dirty="0">
+                  <a:latin typeface="微软雅黑" panose="020B0503020204020204" pitchFamily="34" charset="-122"/>
+                  <a:ea typeface="微软雅黑" panose="020B0503020204020204" pitchFamily="34" charset="-122"/>
+                </a:rPr>
+                <a:t>，举债的目的是</a:t>
+              </a:r>
+              <a:r>
+                <a:rPr lang="zh-CN" altLang="zh-CN" sz="2000" dirty="0">
+                  <a:solidFill>
+                    <a:srgbClr val="00B0F0"/>
+                  </a:solidFill>
+                  <a:latin typeface="微软雅黑" panose="020B0503020204020204" pitchFamily="34" charset="-122"/>
+                  <a:ea typeface="微软雅黑" panose="020B0503020204020204" pitchFamily="34" charset="-122"/>
+                </a:rPr>
+                <a:t>用于消费</a:t>
+              </a:r>
+              <a:r>
+                <a:rPr lang="zh-CN" altLang="zh-CN" sz="2000" dirty="0">
+                  <a:latin typeface="微软雅黑" panose="020B0503020204020204" pitchFamily="34" charset="-122"/>
+                  <a:ea typeface="微软雅黑" panose="020B0503020204020204" pitchFamily="34" charset="-122"/>
+                </a:rPr>
+                <a:t>，还本付息的基础是消费者未来的收入。</a:t>
               </a:r>
               <a:endParaRPr lang="zh-CN" altLang="zh-CN" sz="2000" dirty="0">
                 <a:latin typeface="微软雅黑" panose="020B0503020204020204" pitchFamily="34" charset="-122"/>
@@ -15434,7 +16113,7 @@
                   <a:noFill/>
                 </a:ln>
                 <a:solidFill>
-                  <a:schemeClr val="accent4"/>
+                  <a:srgbClr val="00B0F0"/>
                 </a:solidFill>
                 <a:effectLst/>
                 <a:uLnTx/>
@@ -16249,7 +16928,7 @@
                     <a:noFill/>
                   </a:ln>
                   <a:solidFill>
-                    <a:schemeClr val="tx1"/>
+                    <a:srgbClr val="00B0F0"/>
                   </a:solidFill>
                   <a:effectLst/>
                   <a:uLnTx/>
@@ -16479,7 +17158,24 @@
                   <a:ea typeface="微软雅黑" panose="020B0503020204020204" pitchFamily="34" charset="-122"/>
                   <a:cs typeface="微软雅黑" panose="020B0503020204020204" pitchFamily="34" charset="-122"/>
                 </a:rPr>
-                <a:t>违约不发生，信用损失为零。狭义风险也被称为信用违约风险</a:t>
+                <a:t>违约不发生，信用损失为零。狭义风险也被称为</a:t>
+              </a:r>
+              <a:r>
+                <a:rPr kumimoji="0" lang="zh-CN" altLang="zh-CN" sz="1800" b="0" i="0" u="none" strike="noStrike" kern="1200" cap="none" spc="0" normalizeH="0" baseline="0" noProof="0" dirty="0">
+                  <a:ln>
+                    <a:noFill/>
+                  </a:ln>
+                  <a:solidFill>
+                    <a:srgbClr val="00B0F0"/>
+                  </a:solidFill>
+                  <a:effectLst/>
+                  <a:uLnTx/>
+                  <a:uFillTx/>
+                  <a:latin typeface="微软雅黑" panose="020B0503020204020204" pitchFamily="34" charset="-122"/>
+                  <a:ea typeface="微软雅黑" panose="020B0503020204020204" pitchFamily="34" charset="-122"/>
+                  <a:cs typeface="微软雅黑" panose="020B0503020204020204" pitchFamily="34" charset="-122"/>
+                </a:rPr>
+                <a:t>信用违约风险</a:t>
               </a:r>
               <a:r>
                 <a:rPr kumimoji="0" lang="zh-CN" altLang="zh-CN" sz="1200" b="1" i="0" u="none" strike="noStrike" kern="1200" cap="none" spc="0" normalizeH="0" baseline="0" noProof="0" dirty="0">
@@ -17916,7 +18612,7 @@
                     <a:noFill/>
                   </a:ln>
                   <a:solidFill>
-                    <a:schemeClr val="tx1"/>
+                    <a:srgbClr val="00B0F0"/>
                   </a:solidFill>
                   <a:effectLst/>
                   <a:uLnTx/>
@@ -17959,7 +18655,58 @@
                   <a:ea typeface="微软雅黑" panose="020B0503020204020204" pitchFamily="34" charset="-122"/>
                   <a:cs typeface="微软雅黑" panose="020B0503020204020204" pitchFamily="34" charset="-122"/>
                 </a:rPr>
-                <a:t>包括直接违约发生的资产损失，违约可能性的变动给资产带来风险。即使债务人不发生违约，只要其信用状况降低，信用资产的价值也相应降低，这样信用损失在违约之前也会发生，即盯市模式</a:t>
+                <a:t>包括直接违约发生的资产损失，</a:t>
+              </a:r>
+              <a:r>
+                <a:rPr kumimoji="0" lang="zh-CN" altLang="zh-CN" sz="1800" b="0" i="0" u="none" strike="noStrike" kern="1200" cap="none" spc="0" normalizeH="0" baseline="0" noProof="0" dirty="0">
+                  <a:ln>
+                    <a:noFill/>
+                  </a:ln>
+                  <a:solidFill>
+                    <a:srgbClr val="00B0F0"/>
+                  </a:solidFill>
+                  <a:effectLst/>
+                  <a:uLnTx/>
+                  <a:uFillTx/>
+                  <a:latin typeface="微软雅黑" panose="020B0503020204020204" pitchFamily="34" charset="-122"/>
+                  <a:ea typeface="微软雅黑" panose="020B0503020204020204" pitchFamily="34" charset="-122"/>
+                  <a:cs typeface="微软雅黑" panose="020B0503020204020204" pitchFamily="34" charset="-122"/>
+                </a:rPr>
+                <a:t>违约可能性的变动给资产带来风险</a:t>
+              </a:r>
+              <a:r>
+                <a:rPr kumimoji="0" lang="zh-CN" altLang="zh-CN" sz="1800" b="0" i="0" u="none" strike="noStrike" kern="1200" cap="none" spc="0" normalizeH="0" baseline="0" noProof="0" dirty="0">
+                  <a:ln>
+                    <a:noFill/>
+                  </a:ln>
+                  <a:solidFill>
+                    <a:schemeClr val="tx1"/>
+                  </a:solidFill>
+                  <a:effectLst/>
+                  <a:uLnTx/>
+                  <a:uFillTx/>
+                  <a:latin typeface="微软雅黑" panose="020B0503020204020204" pitchFamily="34" charset="-122"/>
+                  <a:ea typeface="微软雅黑" panose="020B0503020204020204" pitchFamily="34" charset="-122"/>
+                  <a:cs typeface="微软雅黑" panose="020B0503020204020204" pitchFamily="34" charset="-122"/>
+                </a:rPr>
+                <a:t>。即使债务人不发生违约，只要其信用状况降低，信用资产的价值也相应降低，这样信用损失在违约之前也会发生，即</a:t>
+              </a:r>
+              <a:r>
+                <a:rPr kumimoji="0" lang="zh-CN" altLang="zh-CN" sz="1800" b="0" i="0" u="none" strike="noStrike" kern="1200" cap="none" spc="0" normalizeH="0" baseline="0" noProof="0" dirty="0">
+                  <a:ln>
+                    <a:noFill/>
+                  </a:ln>
+                  <a:solidFill>
+                    <a:srgbClr val="00B0F0"/>
+                  </a:solidFill>
+                  <a:effectLst/>
+                  <a:uLnTx/>
+                  <a:uFillTx/>
+                  <a:latin typeface="微软雅黑" panose="020B0503020204020204" pitchFamily="34" charset="-122"/>
+                  <a:ea typeface="微软雅黑" panose="020B0503020204020204" pitchFamily="34" charset="-122"/>
+                  <a:cs typeface="微软雅黑" panose="020B0503020204020204" pitchFamily="34" charset="-122"/>
+                </a:rPr>
+                <a:t>盯市模式</a:t>
               </a:r>
               <a:r>
                 <a:rPr kumimoji="0" lang="en-US" altLang="zh-CN" sz="1800" b="0" i="0" u="none" strike="noStrike" kern="1200" cap="none" spc="0" normalizeH="0" baseline="0" noProof="0" dirty="0">
@@ -18027,7 +18774,75 @@
                   <a:ea typeface="微软雅黑" panose="020B0503020204020204" pitchFamily="34" charset="-122"/>
                   <a:cs typeface="微软雅黑" panose="020B0503020204020204" pitchFamily="34" charset="-122"/>
                 </a:rPr>
-                <a:t>模式下，违约是其中的状态之一。这种由于信用质量变化带来的风险称为信用级差风险。</a:t>
+                <a:t>模式下，违约是其中的状态之一。这种由于</a:t>
+              </a:r>
+              <a:r>
+                <a:rPr kumimoji="0" lang="zh-CN" altLang="zh-CN" sz="1800" b="0" i="0" u="none" strike="noStrike" kern="1200" cap="none" spc="0" normalizeH="0" baseline="0" noProof="0" dirty="0">
+                  <a:ln>
+                    <a:noFill/>
+                  </a:ln>
+                  <a:solidFill>
+                    <a:srgbClr val="00B0F0"/>
+                  </a:solidFill>
+                  <a:effectLst/>
+                  <a:uLnTx/>
+                  <a:uFillTx/>
+                  <a:latin typeface="微软雅黑" panose="020B0503020204020204" pitchFamily="34" charset="-122"/>
+                  <a:ea typeface="微软雅黑" panose="020B0503020204020204" pitchFamily="34" charset="-122"/>
+                  <a:cs typeface="微软雅黑" panose="020B0503020204020204" pitchFamily="34" charset="-122"/>
+                </a:rPr>
+                <a:t>信用质量变化带来的风险</a:t>
+              </a:r>
+              <a:r>
+                <a:rPr kumimoji="0" lang="zh-CN" altLang="zh-CN" sz="1800" b="0" i="0" u="none" strike="noStrike" kern="1200" cap="none" spc="0" normalizeH="0" baseline="0" noProof="0" dirty="0">
+                  <a:ln>
+                    <a:noFill/>
+                  </a:ln>
+                  <a:solidFill>
+                    <a:schemeClr val="tx1"/>
+                  </a:solidFill>
+                  <a:effectLst/>
+                  <a:uLnTx/>
+                  <a:uFillTx/>
+                  <a:latin typeface="微软雅黑" panose="020B0503020204020204" pitchFamily="34" charset="-122"/>
+                  <a:ea typeface="微软雅黑" panose="020B0503020204020204" pitchFamily="34" charset="-122"/>
+                  <a:cs typeface="微软雅黑" panose="020B0503020204020204" pitchFamily="34" charset="-122"/>
+                </a:rPr>
+                <a:t>称为</a:t>
+              </a:r>
+              <a:r>
+                <a:rPr kumimoji="0" lang="zh-CN" altLang="zh-CN" sz="1800" b="0" i="0" u="none" strike="noStrike" kern="1200" cap="none" spc="0" normalizeH="0" baseline="0" noProof="0" dirty="0">
+                  <a:ln>
+                    <a:noFill/>
+                  </a:ln>
+                  <a:solidFill>
+                    <a:srgbClr val="00B0F0"/>
+                  </a:solidFill>
+                  <a:effectLst/>
+                  <a:uLnTx/>
+                  <a:uFillTx/>
+                  <a:latin typeface="微软雅黑" panose="020B0503020204020204" pitchFamily="34" charset="-122"/>
+                  <a:ea typeface="微软雅黑" panose="020B0503020204020204" pitchFamily="34" charset="-122"/>
+                  <a:cs typeface="微软雅黑" panose="020B0503020204020204" pitchFamily="34" charset="-122"/>
+                </a:rPr>
+                <a:t>信用级差风险</a:t>
+              </a:r>
+              <a:r>
+                <a:rPr kumimoji="0" lang="zh-CN" altLang="zh-CN" sz="1800" b="0" i="0" u="none" strike="noStrike" kern="1200" cap="none" spc="0" normalizeH="0" baseline="0" noProof="0" dirty="0">
+                  <a:ln>
+                    <a:noFill/>
+                  </a:ln>
+                  <a:solidFill>
+                    <a:schemeClr val="tx1"/>
+                  </a:solidFill>
+                  <a:effectLst/>
+                  <a:uLnTx/>
+                  <a:uFillTx/>
+                  <a:latin typeface="微软雅黑" panose="020B0503020204020204" pitchFamily="34" charset="-122"/>
+                  <a:ea typeface="微软雅黑" panose="020B0503020204020204" pitchFamily="34" charset="-122"/>
+                  <a:cs typeface="微软雅黑" panose="020B0503020204020204" pitchFamily="34" charset="-122"/>
+                </a:rPr>
+                <a:t>。</a:t>
               </a:r>
               <a:endParaRPr kumimoji="0" lang="zh-CN" altLang="zh-CN" sz="1800" b="0" i="0" u="none" strike="noStrike" kern="1200" cap="none" spc="0" normalizeH="0" baseline="0" noProof="0" dirty="0">
                 <a:ln>
@@ -18055,7 +18870,7 @@
           <p:spPr bwMode="auto">
             <a:xfrm>
               <a:off x="5365" y="6238"/>
-              <a:ext cx="3403" cy="2325"/>
+              <a:ext cx="3403" cy="4070"/>
             </a:xfrm>
             <a:prstGeom prst="rect">
               <a:avLst/>
@@ -18242,7 +19057,7 @@
                   <a:cs typeface="微软雅黑" panose="020B0503020204020204" pitchFamily="34" charset="-122"/>
                   <a:sym typeface="+mn-ea"/>
                 </a:rPr>
-                <a:t>1、信息不对称性</a:t>
+                <a:t>1、信息不对称性（双方信息不对称）</a:t>
               </a:r>
               <a:endParaRPr lang="zh-CN" altLang="zh-CN" sz="1800" b="0" noProof="0" dirty="0">
                 <a:ln>
@@ -18282,7 +19097,7 @@
                   <a:cs typeface="微软雅黑" panose="020B0503020204020204" pitchFamily="34" charset="-122"/>
                   <a:sym typeface="+mn-ea"/>
                 </a:rPr>
-                <a:t>2、信用风险累计性</a:t>
+                <a:t>2、信用风险累计性（不断累积，连锁反应）</a:t>
               </a:r>
               <a:endParaRPr lang="zh-CN" altLang="zh-CN" sz="1800" b="0" noProof="0" dirty="0">
                 <a:ln>
@@ -18322,7 +19137,7 @@
                   <a:cs typeface="微软雅黑" panose="020B0503020204020204" pitchFamily="34" charset="-122"/>
                   <a:sym typeface="+mn-ea"/>
                 </a:rPr>
-                <a:t>3、信用风险内源性</a:t>
+                <a:t>3、信用风险内源性（主观故意）</a:t>
               </a:r>
               <a:endParaRPr lang="zh-CN" altLang="zh-CN" sz="1800" noProof="0" dirty="0">
                 <a:ln>
@@ -19185,7 +20000,211 @@
                 <a:ea typeface="微软雅黑" panose="020B0503020204020204" pitchFamily="34" charset="-122"/>
                 <a:cs typeface="微软雅黑" panose="020B0503020204020204" pitchFamily="34" charset="-122"/>
               </a:rPr>
-              <a:t>信用管理是指信用活动的参与者利用管理学的方法来解决信用交易中存在的风险问题。信用管理的主要职能包括识别风险、评估风险、分析风险，并在此基础上有效地控制风险，并用经济、合理的方法综合性地处理风险。</a:t>
+              <a:t>信用管理是指信用活动的参与者利用</a:t>
+            </a:r>
+            <a:r>
+              <a:rPr kumimoji="0" lang="zh-CN" altLang="en-US" sz="2000" b="0" i="0" u="none" strike="noStrike" kern="0" cap="none" spc="0" normalizeH="0" baseline="0" noProof="0" dirty="0">
+                <a:ln>
+                  <a:noFill/>
+                </a:ln>
+                <a:solidFill>
+                  <a:srgbClr val="00B0F0"/>
+                </a:solidFill>
+                <a:effectLst/>
+                <a:uLnTx/>
+                <a:uFillTx/>
+                <a:latin typeface="微软雅黑" panose="020B0503020204020204" pitchFamily="34" charset="-122"/>
+                <a:ea typeface="微软雅黑" panose="020B0503020204020204" pitchFamily="34" charset="-122"/>
+                <a:cs typeface="微软雅黑" panose="020B0503020204020204" pitchFamily="34" charset="-122"/>
+              </a:rPr>
+              <a:t>管理学的方法</a:t>
+            </a:r>
+            <a:r>
+              <a:rPr kumimoji="0" lang="zh-CN" altLang="en-US" sz="2000" b="0" i="0" u="none" strike="noStrike" kern="0" cap="none" spc="0" normalizeH="0" baseline="0" noProof="0" dirty="0">
+                <a:ln>
+                  <a:noFill/>
+                </a:ln>
+                <a:solidFill>
+                  <a:schemeClr val="tx1"/>
+                </a:solidFill>
+                <a:effectLst/>
+                <a:uLnTx/>
+                <a:uFillTx/>
+                <a:latin typeface="微软雅黑" panose="020B0503020204020204" pitchFamily="34" charset="-122"/>
+                <a:ea typeface="微软雅黑" panose="020B0503020204020204" pitchFamily="34" charset="-122"/>
+                <a:cs typeface="微软雅黑" panose="020B0503020204020204" pitchFamily="34" charset="-122"/>
+              </a:rPr>
+              <a:t>来解决信用交易中存在的风险问题。信用管理的主要职能包括</a:t>
+            </a:r>
+            <a:r>
+              <a:rPr kumimoji="0" lang="zh-CN" altLang="en-US" sz="2000" b="0" i="0" u="none" strike="noStrike" kern="0" cap="none" spc="0" normalizeH="0" baseline="0" noProof="0" dirty="0">
+                <a:ln>
+                  <a:noFill/>
+                </a:ln>
+                <a:solidFill>
+                  <a:srgbClr val="00B0F0"/>
+                </a:solidFill>
+                <a:effectLst/>
+                <a:uLnTx/>
+                <a:uFillTx/>
+                <a:latin typeface="微软雅黑" panose="020B0503020204020204" pitchFamily="34" charset="-122"/>
+                <a:ea typeface="微软雅黑" panose="020B0503020204020204" pitchFamily="34" charset="-122"/>
+                <a:cs typeface="微软雅黑" panose="020B0503020204020204" pitchFamily="34" charset="-122"/>
+              </a:rPr>
+              <a:t>识别</a:t>
+            </a:r>
+            <a:r>
+              <a:rPr kumimoji="0" lang="zh-CN" altLang="en-US" sz="2000" b="0" i="0" u="none" strike="noStrike" kern="0" cap="none" spc="0" normalizeH="0" baseline="0" noProof="0" dirty="0">
+                <a:ln>
+                  <a:noFill/>
+                </a:ln>
+                <a:solidFill>
+                  <a:schemeClr val="tx1"/>
+                </a:solidFill>
+                <a:effectLst/>
+                <a:uLnTx/>
+                <a:uFillTx/>
+                <a:latin typeface="微软雅黑" panose="020B0503020204020204" pitchFamily="34" charset="-122"/>
+                <a:ea typeface="微软雅黑" panose="020B0503020204020204" pitchFamily="34" charset="-122"/>
+                <a:cs typeface="微软雅黑" panose="020B0503020204020204" pitchFamily="34" charset="-122"/>
+              </a:rPr>
+              <a:t>风险、</a:t>
+            </a:r>
+            <a:r>
+              <a:rPr kumimoji="0" lang="zh-CN" altLang="en-US" sz="2000" b="0" i="0" u="none" strike="noStrike" kern="0" cap="none" spc="0" normalizeH="0" baseline="0" noProof="0" dirty="0">
+                <a:ln>
+                  <a:noFill/>
+                </a:ln>
+                <a:solidFill>
+                  <a:srgbClr val="00B0F0"/>
+                </a:solidFill>
+                <a:effectLst/>
+                <a:uLnTx/>
+                <a:uFillTx/>
+                <a:latin typeface="微软雅黑" panose="020B0503020204020204" pitchFamily="34" charset="-122"/>
+                <a:ea typeface="微软雅黑" panose="020B0503020204020204" pitchFamily="34" charset="-122"/>
+                <a:cs typeface="微软雅黑" panose="020B0503020204020204" pitchFamily="34" charset="-122"/>
+              </a:rPr>
+              <a:t>评估</a:t>
+            </a:r>
+            <a:r>
+              <a:rPr kumimoji="0" lang="zh-CN" altLang="en-US" sz="2000" b="0" i="0" u="none" strike="noStrike" kern="0" cap="none" spc="0" normalizeH="0" baseline="0" noProof="0" dirty="0">
+                <a:ln>
+                  <a:noFill/>
+                </a:ln>
+                <a:solidFill>
+                  <a:schemeClr val="tx1"/>
+                </a:solidFill>
+                <a:effectLst/>
+                <a:uLnTx/>
+                <a:uFillTx/>
+                <a:latin typeface="微软雅黑" panose="020B0503020204020204" pitchFamily="34" charset="-122"/>
+                <a:ea typeface="微软雅黑" panose="020B0503020204020204" pitchFamily="34" charset="-122"/>
+                <a:cs typeface="微软雅黑" panose="020B0503020204020204" pitchFamily="34" charset="-122"/>
+              </a:rPr>
+              <a:t>风险、</a:t>
+            </a:r>
+            <a:r>
+              <a:rPr kumimoji="0" lang="zh-CN" altLang="en-US" sz="2000" b="0" i="0" u="none" strike="noStrike" kern="0" cap="none" spc="0" normalizeH="0" baseline="0" noProof="0" dirty="0">
+                <a:ln>
+                  <a:noFill/>
+                </a:ln>
+                <a:solidFill>
+                  <a:srgbClr val="00B0F0"/>
+                </a:solidFill>
+                <a:effectLst/>
+                <a:uLnTx/>
+                <a:uFillTx/>
+                <a:latin typeface="微软雅黑" panose="020B0503020204020204" pitchFamily="34" charset="-122"/>
+                <a:ea typeface="微软雅黑" panose="020B0503020204020204" pitchFamily="34" charset="-122"/>
+                <a:cs typeface="微软雅黑" panose="020B0503020204020204" pitchFamily="34" charset="-122"/>
+              </a:rPr>
+              <a:t>分析</a:t>
+            </a:r>
+            <a:r>
+              <a:rPr kumimoji="0" lang="zh-CN" altLang="en-US" sz="2000" b="0" i="0" u="none" strike="noStrike" kern="0" cap="none" spc="0" normalizeH="0" baseline="0" noProof="0" dirty="0">
+                <a:ln>
+                  <a:noFill/>
+                </a:ln>
+                <a:solidFill>
+                  <a:schemeClr val="tx1"/>
+                </a:solidFill>
+                <a:effectLst/>
+                <a:uLnTx/>
+                <a:uFillTx/>
+                <a:latin typeface="微软雅黑" panose="020B0503020204020204" pitchFamily="34" charset="-122"/>
+                <a:ea typeface="微软雅黑" panose="020B0503020204020204" pitchFamily="34" charset="-122"/>
+                <a:cs typeface="微软雅黑" panose="020B0503020204020204" pitchFamily="34" charset="-122"/>
+              </a:rPr>
+              <a:t>风险，并在此基础上有效地</a:t>
+            </a:r>
+            <a:r>
+              <a:rPr kumimoji="0" lang="zh-CN" altLang="en-US" sz="2000" b="0" i="0" u="none" strike="noStrike" kern="0" cap="none" spc="0" normalizeH="0" baseline="0" noProof="0" dirty="0">
+                <a:ln>
+                  <a:noFill/>
+                </a:ln>
+                <a:solidFill>
+                  <a:srgbClr val="00B0F0"/>
+                </a:solidFill>
+                <a:effectLst/>
+                <a:uLnTx/>
+                <a:uFillTx/>
+                <a:latin typeface="微软雅黑" panose="020B0503020204020204" pitchFamily="34" charset="-122"/>
+                <a:ea typeface="微软雅黑" panose="020B0503020204020204" pitchFamily="34" charset="-122"/>
+                <a:cs typeface="微软雅黑" panose="020B0503020204020204" pitchFamily="34" charset="-122"/>
+              </a:rPr>
+              <a:t>控制</a:t>
+            </a:r>
+            <a:r>
+              <a:rPr kumimoji="0" lang="zh-CN" altLang="en-US" sz="2000" b="0" i="0" u="none" strike="noStrike" kern="0" cap="none" spc="0" normalizeH="0" baseline="0" noProof="0" dirty="0">
+                <a:ln>
+                  <a:noFill/>
+                </a:ln>
+                <a:solidFill>
+                  <a:schemeClr val="tx1"/>
+                </a:solidFill>
+                <a:effectLst/>
+                <a:uLnTx/>
+                <a:uFillTx/>
+                <a:latin typeface="微软雅黑" panose="020B0503020204020204" pitchFamily="34" charset="-122"/>
+                <a:ea typeface="微软雅黑" panose="020B0503020204020204" pitchFamily="34" charset="-122"/>
+                <a:cs typeface="微软雅黑" panose="020B0503020204020204" pitchFamily="34" charset="-122"/>
+              </a:rPr>
+              <a:t>风险，并用经济、合理的方法综合性地</a:t>
+            </a:r>
+            <a:r>
+              <a:rPr kumimoji="0" lang="zh-CN" altLang="en-US" sz="2000" b="0" i="0" u="none" strike="noStrike" kern="0" cap="none" spc="0" normalizeH="0" baseline="0" noProof="0" dirty="0">
+                <a:ln>
+                  <a:noFill/>
+                </a:ln>
+                <a:solidFill>
+                  <a:srgbClr val="00B0F0"/>
+                </a:solidFill>
+                <a:effectLst/>
+                <a:uLnTx/>
+                <a:uFillTx/>
+                <a:latin typeface="微软雅黑" panose="020B0503020204020204" pitchFamily="34" charset="-122"/>
+                <a:ea typeface="微软雅黑" panose="020B0503020204020204" pitchFamily="34" charset="-122"/>
+                <a:cs typeface="微软雅黑" panose="020B0503020204020204" pitchFamily="34" charset="-122"/>
+              </a:rPr>
+              <a:t>处理</a:t>
+            </a:r>
+            <a:r>
+              <a:rPr kumimoji="0" lang="zh-CN" altLang="en-US" sz="2000" b="0" i="0" u="none" strike="noStrike" kern="0" cap="none" spc="0" normalizeH="0" baseline="0" noProof="0" dirty="0">
+                <a:ln>
+                  <a:noFill/>
+                </a:ln>
+                <a:solidFill>
+                  <a:schemeClr val="tx1"/>
+                </a:solidFill>
+                <a:effectLst/>
+                <a:uLnTx/>
+                <a:uFillTx/>
+                <a:latin typeface="微软雅黑" panose="020B0503020204020204" pitchFamily="34" charset="-122"/>
+                <a:ea typeface="微软雅黑" panose="020B0503020204020204" pitchFamily="34" charset="-122"/>
+                <a:cs typeface="微软雅黑" panose="020B0503020204020204" pitchFamily="34" charset="-122"/>
+              </a:rPr>
+              <a:t>风险。</a:t>
             </a:r>
             <a:endParaRPr kumimoji="0" lang="zh-CN" altLang="en-US" sz="2000" b="1" i="0" u="none" strike="noStrike" kern="0" cap="none" spc="0" normalizeH="0" baseline="0" noProof="0" dirty="0">
               <a:ln>
@@ -19287,7 +20306,259 @@
                 <a:ea typeface="微软雅黑" panose="020B0503020204020204" pitchFamily="34" charset="-122"/>
                 <a:cs typeface="微软雅黑" panose="020B0503020204020204" pitchFamily="34" charset="-122"/>
               </a:rPr>
-              <a:t>    授信者对信用交易进行科学管理以控制信用风险的专门技术。其主要功能包括五个方面：征信管理（信用档案管理）、授信管理、账户控制管理、商账追收管理、利用征信数据库开拓市场或推销信用支付工具。</a:t>
+              <a:t>    授信者对信用交易进行</a:t>
+            </a:r>
+            <a:r>
+              <a:rPr kumimoji="0" lang="zh-CN" altLang="en-US" sz="2000" b="0" i="0" u="none" strike="noStrike" kern="0" cap="none" spc="0" normalizeH="0" baseline="0" noProof="0" dirty="0">
+                <a:ln>
+                  <a:noFill/>
+                </a:ln>
+                <a:solidFill>
+                  <a:srgbClr val="00B0F0"/>
+                </a:solidFill>
+                <a:effectLst/>
+                <a:uLnTx/>
+                <a:uFillTx/>
+                <a:latin typeface="微软雅黑" panose="020B0503020204020204" pitchFamily="34" charset="-122"/>
+                <a:ea typeface="微软雅黑" panose="020B0503020204020204" pitchFamily="34" charset="-122"/>
+                <a:cs typeface="微软雅黑" panose="020B0503020204020204" pitchFamily="34" charset="-122"/>
+              </a:rPr>
+              <a:t>科学管理</a:t>
+            </a:r>
+            <a:r>
+              <a:rPr kumimoji="0" lang="zh-CN" altLang="en-US" sz="2000" b="0" i="0" u="none" strike="noStrike" kern="0" cap="none" spc="0" normalizeH="0" baseline="0" noProof="0" dirty="0">
+                <a:ln>
+                  <a:noFill/>
+                </a:ln>
+                <a:solidFill>
+                  <a:schemeClr val="tx1"/>
+                </a:solidFill>
+                <a:effectLst/>
+                <a:uLnTx/>
+                <a:uFillTx/>
+                <a:latin typeface="微软雅黑" panose="020B0503020204020204" pitchFamily="34" charset="-122"/>
+                <a:ea typeface="微软雅黑" panose="020B0503020204020204" pitchFamily="34" charset="-122"/>
+                <a:cs typeface="微软雅黑" panose="020B0503020204020204" pitchFamily="34" charset="-122"/>
+              </a:rPr>
+              <a:t>以控制信用风险的</a:t>
+            </a:r>
+            <a:r>
+              <a:rPr kumimoji="0" lang="zh-CN" altLang="en-US" sz="2000" b="0" i="0" u="none" strike="noStrike" kern="0" cap="none" spc="0" normalizeH="0" baseline="0" noProof="0" dirty="0">
+                <a:ln>
+                  <a:noFill/>
+                </a:ln>
+                <a:solidFill>
+                  <a:srgbClr val="00B0F0"/>
+                </a:solidFill>
+                <a:effectLst/>
+                <a:uLnTx/>
+                <a:uFillTx/>
+                <a:latin typeface="微软雅黑" panose="020B0503020204020204" pitchFamily="34" charset="-122"/>
+                <a:ea typeface="微软雅黑" panose="020B0503020204020204" pitchFamily="34" charset="-122"/>
+                <a:cs typeface="微软雅黑" panose="020B0503020204020204" pitchFamily="34" charset="-122"/>
+              </a:rPr>
+              <a:t>专门技术</a:t>
+            </a:r>
+            <a:r>
+              <a:rPr kumimoji="0" lang="zh-CN" altLang="en-US" sz="2000" b="0" i="0" u="none" strike="noStrike" kern="0" cap="none" spc="0" normalizeH="0" baseline="0" noProof="0" dirty="0">
+                <a:ln>
+                  <a:noFill/>
+                </a:ln>
+                <a:solidFill>
+                  <a:schemeClr val="tx1"/>
+                </a:solidFill>
+                <a:effectLst/>
+                <a:uLnTx/>
+                <a:uFillTx/>
+                <a:latin typeface="微软雅黑" panose="020B0503020204020204" pitchFamily="34" charset="-122"/>
+                <a:ea typeface="微软雅黑" panose="020B0503020204020204" pitchFamily="34" charset="-122"/>
+                <a:cs typeface="微软雅黑" panose="020B0503020204020204" pitchFamily="34" charset="-122"/>
+              </a:rPr>
+              <a:t>。其主要功能包括五个方面：</a:t>
+            </a:r>
+            <a:r>
+              <a:rPr kumimoji="0" lang="zh-CN" altLang="en-US" sz="2000" b="0" i="0" u="none" strike="noStrike" kern="0" cap="none" spc="0" normalizeH="0" baseline="0" noProof="0" dirty="0">
+                <a:ln>
+                  <a:noFill/>
+                </a:ln>
+                <a:solidFill>
+                  <a:srgbClr val="00B0F0"/>
+                </a:solidFill>
+                <a:effectLst/>
+                <a:uLnTx/>
+                <a:uFillTx/>
+                <a:latin typeface="微软雅黑" panose="020B0503020204020204" pitchFamily="34" charset="-122"/>
+                <a:ea typeface="微软雅黑" panose="020B0503020204020204" pitchFamily="34" charset="-122"/>
+                <a:cs typeface="微软雅黑" panose="020B0503020204020204" pitchFamily="34" charset="-122"/>
+              </a:rPr>
+              <a:t>征信</a:t>
+            </a:r>
+            <a:r>
+              <a:rPr kumimoji="0" lang="zh-CN" altLang="en-US" sz="2000" b="0" i="0" u="none" strike="noStrike" kern="0" cap="none" spc="0" normalizeH="0" baseline="0" noProof="0" dirty="0">
+                <a:ln>
+                  <a:noFill/>
+                </a:ln>
+                <a:effectLst/>
+                <a:uLnTx/>
+                <a:uFillTx/>
+                <a:latin typeface="微软雅黑" panose="020B0503020204020204" pitchFamily="34" charset="-122"/>
+                <a:ea typeface="微软雅黑" panose="020B0503020204020204" pitchFamily="34" charset="-122"/>
+                <a:cs typeface="微软雅黑" panose="020B0503020204020204" pitchFamily="34" charset="-122"/>
+              </a:rPr>
+              <a:t>管理</a:t>
+            </a:r>
+            <a:r>
+              <a:rPr kumimoji="0" lang="zh-CN" altLang="en-US" sz="2000" b="0" i="0" u="none" strike="noStrike" kern="0" cap="none" spc="0" normalizeH="0" baseline="0" noProof="0" dirty="0">
+                <a:ln>
+                  <a:noFill/>
+                </a:ln>
+                <a:solidFill>
+                  <a:schemeClr val="tx1"/>
+                </a:solidFill>
+                <a:effectLst/>
+                <a:uLnTx/>
+                <a:uFillTx/>
+                <a:latin typeface="微软雅黑" panose="020B0503020204020204" pitchFamily="34" charset="-122"/>
+                <a:ea typeface="微软雅黑" panose="020B0503020204020204" pitchFamily="34" charset="-122"/>
+                <a:cs typeface="微软雅黑" panose="020B0503020204020204" pitchFamily="34" charset="-122"/>
+              </a:rPr>
+              <a:t>（信用档案管理）、</a:t>
+            </a:r>
+            <a:r>
+              <a:rPr kumimoji="0" lang="zh-CN" altLang="en-US" sz="2000" b="0" i="0" u="none" strike="noStrike" kern="0" cap="none" spc="0" normalizeH="0" baseline="0" noProof="0" dirty="0">
+                <a:ln>
+                  <a:noFill/>
+                </a:ln>
+                <a:solidFill>
+                  <a:srgbClr val="00B0F0"/>
+                </a:solidFill>
+                <a:effectLst/>
+                <a:uLnTx/>
+                <a:uFillTx/>
+                <a:latin typeface="微软雅黑" panose="020B0503020204020204" pitchFamily="34" charset="-122"/>
+                <a:ea typeface="微软雅黑" panose="020B0503020204020204" pitchFamily="34" charset="-122"/>
+                <a:cs typeface="微软雅黑" panose="020B0503020204020204" pitchFamily="34" charset="-122"/>
+              </a:rPr>
+              <a:t>授信</a:t>
+            </a:r>
+            <a:r>
+              <a:rPr kumimoji="0" lang="zh-CN" altLang="en-US" sz="2000" b="0" i="0" u="none" strike="noStrike" kern="0" cap="none" spc="0" normalizeH="0" baseline="0" noProof="0" dirty="0">
+                <a:ln>
+                  <a:noFill/>
+                </a:ln>
+                <a:solidFill>
+                  <a:schemeClr val="tx1"/>
+                </a:solidFill>
+                <a:effectLst/>
+                <a:uLnTx/>
+                <a:uFillTx/>
+                <a:latin typeface="微软雅黑" panose="020B0503020204020204" pitchFamily="34" charset="-122"/>
+                <a:ea typeface="微软雅黑" panose="020B0503020204020204" pitchFamily="34" charset="-122"/>
+                <a:cs typeface="微软雅黑" panose="020B0503020204020204" pitchFamily="34" charset="-122"/>
+              </a:rPr>
+              <a:t>管理、</a:t>
+            </a:r>
+            <a:r>
+              <a:rPr kumimoji="0" lang="zh-CN" altLang="en-US" sz="2000" b="0" i="0" u="none" strike="noStrike" kern="0" cap="none" spc="0" normalizeH="0" baseline="0" noProof="0" dirty="0">
+                <a:ln>
+                  <a:noFill/>
+                </a:ln>
+                <a:solidFill>
+                  <a:srgbClr val="00B0F0"/>
+                </a:solidFill>
+                <a:effectLst/>
+                <a:uLnTx/>
+                <a:uFillTx/>
+                <a:latin typeface="微软雅黑" panose="020B0503020204020204" pitchFamily="34" charset="-122"/>
+                <a:ea typeface="微软雅黑" panose="020B0503020204020204" pitchFamily="34" charset="-122"/>
+                <a:cs typeface="微软雅黑" panose="020B0503020204020204" pitchFamily="34" charset="-122"/>
+              </a:rPr>
+              <a:t>账户控制</a:t>
+            </a:r>
+            <a:r>
+              <a:rPr kumimoji="0" lang="zh-CN" altLang="en-US" sz="2000" b="0" i="0" u="none" strike="noStrike" kern="0" cap="none" spc="0" normalizeH="0" baseline="0" noProof="0" dirty="0">
+                <a:ln>
+                  <a:noFill/>
+                </a:ln>
+                <a:solidFill>
+                  <a:schemeClr val="tx1"/>
+                </a:solidFill>
+                <a:effectLst/>
+                <a:uLnTx/>
+                <a:uFillTx/>
+                <a:latin typeface="微软雅黑" panose="020B0503020204020204" pitchFamily="34" charset="-122"/>
+                <a:ea typeface="微软雅黑" panose="020B0503020204020204" pitchFamily="34" charset="-122"/>
+                <a:cs typeface="微软雅黑" panose="020B0503020204020204" pitchFamily="34" charset="-122"/>
+              </a:rPr>
+              <a:t>管理、</a:t>
+            </a:r>
+            <a:r>
+              <a:rPr kumimoji="0" lang="zh-CN" altLang="en-US" sz="2000" b="0" i="0" u="none" strike="noStrike" kern="0" cap="none" spc="0" normalizeH="0" baseline="0" noProof="0" dirty="0">
+                <a:ln>
+                  <a:noFill/>
+                </a:ln>
+                <a:solidFill>
+                  <a:srgbClr val="00B0F0"/>
+                </a:solidFill>
+                <a:effectLst/>
+                <a:uLnTx/>
+                <a:uFillTx/>
+                <a:latin typeface="微软雅黑" panose="020B0503020204020204" pitchFamily="34" charset="-122"/>
+                <a:ea typeface="微软雅黑" panose="020B0503020204020204" pitchFamily="34" charset="-122"/>
+                <a:cs typeface="微软雅黑" panose="020B0503020204020204" pitchFamily="34" charset="-122"/>
+              </a:rPr>
+              <a:t>商账追收</a:t>
+            </a:r>
+            <a:r>
+              <a:rPr kumimoji="0" lang="zh-CN" altLang="en-US" sz="2000" b="0" i="0" u="none" strike="noStrike" kern="0" cap="none" spc="0" normalizeH="0" baseline="0" noProof="0" dirty="0">
+                <a:ln>
+                  <a:noFill/>
+                </a:ln>
+                <a:solidFill>
+                  <a:schemeClr val="tx1"/>
+                </a:solidFill>
+                <a:effectLst/>
+                <a:uLnTx/>
+                <a:uFillTx/>
+                <a:latin typeface="微软雅黑" panose="020B0503020204020204" pitchFamily="34" charset="-122"/>
+                <a:ea typeface="微软雅黑" panose="020B0503020204020204" pitchFamily="34" charset="-122"/>
+                <a:cs typeface="微软雅黑" panose="020B0503020204020204" pitchFamily="34" charset="-122"/>
+              </a:rPr>
+              <a:t>管理、利用征信数据库开拓市场或推销</a:t>
+            </a:r>
+            <a:r>
+              <a:rPr kumimoji="0" lang="zh-CN" altLang="en-US" sz="2000" b="0" i="0" u="none" strike="noStrike" kern="0" cap="none" spc="0" normalizeH="0" baseline="0" noProof="0" dirty="0">
+                <a:ln>
+                  <a:noFill/>
+                </a:ln>
+                <a:solidFill>
+                  <a:srgbClr val="00B0F0"/>
+                </a:solidFill>
+                <a:effectLst/>
+                <a:uLnTx/>
+                <a:uFillTx/>
+                <a:latin typeface="微软雅黑" panose="020B0503020204020204" pitchFamily="34" charset="-122"/>
+                <a:ea typeface="微软雅黑" panose="020B0503020204020204" pitchFamily="34" charset="-122"/>
+                <a:cs typeface="微软雅黑" panose="020B0503020204020204" pitchFamily="34" charset="-122"/>
+              </a:rPr>
+              <a:t>信用支付工具</a:t>
+            </a:r>
+            <a:r>
+              <a:rPr kumimoji="0" lang="zh-CN" altLang="en-US" sz="2000" b="0" i="0" u="none" strike="noStrike" kern="0" cap="none" spc="0" normalizeH="0" baseline="0" noProof="0" dirty="0">
+                <a:ln>
+                  <a:noFill/>
+                </a:ln>
+                <a:solidFill>
+                  <a:schemeClr val="tx1"/>
+                </a:solidFill>
+                <a:effectLst/>
+                <a:uLnTx/>
+                <a:uFillTx/>
+                <a:latin typeface="微软雅黑" panose="020B0503020204020204" pitchFamily="34" charset="-122"/>
+                <a:ea typeface="微软雅黑" panose="020B0503020204020204" pitchFamily="34" charset="-122"/>
+                <a:cs typeface="微软雅黑" panose="020B0503020204020204" pitchFamily="34" charset="-122"/>
+              </a:rPr>
+              <a:t>。</a:t>
             </a:r>
             <a:endParaRPr kumimoji="0" lang="zh-CN" altLang="en-US" sz="2000" b="0" i="0" u="none" strike="noStrike" kern="0" cap="none" spc="0" normalizeH="0" baseline="0" noProof="0" dirty="0">
               <a:ln>
@@ -27885,6 +29156,23 @@
               <a:defRPr/>
             </a:pPr>
             <a:r>
+              <a:rPr kumimoji="0" lang="zh-CN" altLang="en-US" sz="2400" b="1" i="0" u="none" strike="noStrike" kern="1200" cap="none" spc="0" normalizeH="0" baseline="0" noProof="0" dirty="0">
+                <a:ln>
+                  <a:noFill/>
+                </a:ln>
+                <a:solidFill>
+                  <a:schemeClr val="tx1"/>
+                </a:solidFill>
+                <a:effectLst/>
+                <a:uLnTx/>
+                <a:uFillTx/>
+                <a:latin typeface="微软雅黑" panose="020B0503020204020204" pitchFamily="34" charset="-122"/>
+                <a:ea typeface="微软雅黑" panose="020B0503020204020204" pitchFamily="34" charset="-122"/>
+                <a:cs typeface="+mn-cs"/>
+              </a:rPr>
+              <a:t>掌握信用分类形式</a:t>
+            </a:r>
+            <a:r>
               <a:rPr kumimoji="0" lang="zh-CN" altLang="en-US" sz="2400" i="0" u="none" strike="noStrike" kern="1200" cap="none" spc="0" normalizeH="0" baseline="0" noProof="0" dirty="0">
                 <a:ln>
                   <a:noFill/>
@@ -27899,7 +29187,7 @@
                 <a:ea typeface="微软雅黑" panose="020B0503020204020204" pitchFamily="34" charset="-122"/>
                 <a:cs typeface="+mn-cs"/>
               </a:rPr>
-              <a:t>掌握信用分类形式，认识信用缺失的危害</a:t>
+              <a:t>，认识信用缺失的危害</a:t>
             </a:r>
             <a:endParaRPr kumimoji="0" lang="zh-CN" altLang="en-US" sz="2400" i="0" u="none" strike="noStrike" kern="1200" cap="none" spc="0" normalizeH="0" baseline="0" noProof="0" dirty="0">
               <a:ln>
@@ -27981,6 +29269,23 @@
               <a:defRPr/>
             </a:pPr>
             <a:r>
+              <a:rPr kumimoji="0" lang="zh-CN" altLang="en-US" sz="2400" b="1" i="0" u="none" strike="noStrike" kern="1200" cap="none" spc="0" normalizeH="0" baseline="0" noProof="0" dirty="0">
+                <a:ln>
+                  <a:noFill/>
+                </a:ln>
+                <a:solidFill>
+                  <a:schemeClr val="tx1"/>
+                </a:solidFill>
+                <a:effectLst/>
+                <a:uLnTx/>
+                <a:uFillTx/>
+                <a:latin typeface="微软雅黑" panose="020B0503020204020204" pitchFamily="34" charset="-122"/>
+                <a:ea typeface="微软雅黑" panose="020B0503020204020204" pitchFamily="34" charset="-122"/>
+                <a:cs typeface="微软雅黑" panose="020B0503020204020204" pitchFamily="34" charset="-122"/>
+              </a:rPr>
+              <a:t>重点掌握社会信用体系的架构</a:t>
+            </a:r>
+            <a:r>
               <a:rPr kumimoji="0" lang="zh-CN" altLang="en-US" sz="2400" i="0" u="none" strike="noStrike" kern="1200" cap="none" spc="0" normalizeH="0" baseline="0" noProof="0" dirty="0">
                 <a:ln>
                   <a:noFill/>
@@ -27995,7 +29300,7 @@
                 <a:ea typeface="微软雅黑" panose="020B0503020204020204" pitchFamily="34" charset="-122"/>
                 <a:cs typeface="微软雅黑" panose="020B0503020204020204" pitchFamily="34" charset="-122"/>
               </a:rPr>
-              <a:t>重点掌握社会信用体系的架构 </a:t>
+              <a:t> </a:t>
             </a:r>
             <a:endParaRPr kumimoji="0" lang="zh-CN" altLang="en-US" sz="2400" i="0" u="none" strike="noStrike" kern="1200" cap="none" spc="0" normalizeH="0" baseline="0" noProof="0" dirty="0">
               <a:ln>
@@ -34113,7 +35418,7 @@
           <p:spPr>
             <a:xfrm>
               <a:off x="5643" y="4703"/>
-              <a:ext cx="5005" cy="1454"/>
+              <a:ext cx="5005" cy="1551"/>
             </a:xfrm>
             <a:prstGeom prst="rect">
               <a:avLst/>
@@ -34141,14 +35446,100 @@
                 <a:buFont typeface="Wingdings" panose="05000000000000000000" pitchFamily="2" charset="2"/>
               </a:pPr>
               <a:r>
-                <a:rPr lang="zh-CN" altLang="zh-CN" sz="2800" dirty="0">
+                <a:rPr lang="zh-CN" altLang="zh-CN" sz="2000" dirty="0">
                   <a:latin typeface="微软雅黑" panose="020B0503020204020204" pitchFamily="34" charset="-122"/>
                   <a:ea typeface="微软雅黑" panose="020B0503020204020204" pitchFamily="34" charset="-122"/>
                   <a:cs typeface="微软雅黑" panose="020B0503020204020204" pitchFamily="34" charset="-122"/>
                 </a:rPr>
                 <a:t>中国传统伦理中，“诚”与“信”最初是两个分立的德目</a:t>
               </a:r>
-              <a:endParaRPr lang="zh-CN" altLang="zh-CN" sz="2800" dirty="0">
+              <a:endParaRPr lang="zh-CN" altLang="zh-CN" sz="2000" dirty="0">
+                <a:latin typeface="微软雅黑" panose="020B0503020204020204" pitchFamily="34" charset="-122"/>
+                <a:ea typeface="微软雅黑" panose="020B0503020204020204" pitchFamily="34" charset="-122"/>
+                <a:cs typeface="微软雅黑" panose="020B0503020204020204" pitchFamily="34" charset="-122"/>
+              </a:endParaRPr>
+            </a:p>
+            <a:p>
+              <a:pPr>
+                <a:lnSpc>
+                  <a:spcPct val="80000"/>
+                </a:lnSpc>
+                <a:spcBef>
+                  <a:spcPct val="20000"/>
+                </a:spcBef>
+                <a:buClr>
+                  <a:schemeClr val="hlink"/>
+                </a:buClr>
+                <a:buFont typeface="Wingdings" panose="05000000000000000000" pitchFamily="2" charset="2"/>
+              </a:pPr>
+              <a:r>
+                <a:rPr lang="zh-CN" altLang="zh-CN" sz="2000" dirty="0">
+                  <a:latin typeface="微软雅黑" panose="020B0503020204020204" pitchFamily="34" charset="-122"/>
+                  <a:ea typeface="微软雅黑" panose="020B0503020204020204" pitchFamily="34" charset="-122"/>
+                  <a:cs typeface="微软雅黑" panose="020B0503020204020204" pitchFamily="34" charset="-122"/>
+                </a:rPr>
+                <a:t>（</a:t>
+              </a:r>
+              <a:r>
+                <a:rPr lang="en-US" altLang="zh-CN" sz="2000" dirty="0">
+                  <a:latin typeface="微软雅黑" panose="020B0503020204020204" pitchFamily="34" charset="-122"/>
+                  <a:ea typeface="微软雅黑" panose="020B0503020204020204" pitchFamily="34" charset="-122"/>
+                  <a:cs typeface="微软雅黑" panose="020B0503020204020204" pitchFamily="34" charset="-122"/>
+                </a:rPr>
+                <a:t>1</a:t>
+              </a:r>
+              <a:r>
+                <a:rPr lang="zh-CN" altLang="zh-CN" sz="2000" dirty="0">
+                  <a:latin typeface="微软雅黑" panose="020B0503020204020204" pitchFamily="34" charset="-122"/>
+                  <a:ea typeface="微软雅黑" panose="020B0503020204020204" pitchFamily="34" charset="-122"/>
+                  <a:cs typeface="微软雅黑" panose="020B0503020204020204" pitchFamily="34" charset="-122"/>
+                </a:rPr>
+                <a:t>）诚是一种社会美德</a:t>
+              </a:r>
+              <a:endParaRPr lang="zh-CN" altLang="zh-CN" sz="2000" dirty="0">
+                <a:latin typeface="微软雅黑" panose="020B0503020204020204" pitchFamily="34" charset="-122"/>
+                <a:ea typeface="微软雅黑" panose="020B0503020204020204" pitchFamily="34" charset="-122"/>
+                <a:cs typeface="微软雅黑" panose="020B0503020204020204" pitchFamily="34" charset="-122"/>
+              </a:endParaRPr>
+            </a:p>
+            <a:p>
+              <a:pPr>
+                <a:lnSpc>
+                  <a:spcPct val="80000"/>
+                </a:lnSpc>
+                <a:spcBef>
+                  <a:spcPct val="20000"/>
+                </a:spcBef>
+                <a:buClr>
+                  <a:schemeClr val="hlink"/>
+                </a:buClr>
+                <a:buFont typeface="Wingdings" panose="05000000000000000000" pitchFamily="2" charset="2"/>
+              </a:pPr>
+              <a:r>
+                <a:rPr lang="zh-CN" altLang="zh-CN" sz="2000" dirty="0">
+                  <a:latin typeface="微软雅黑" panose="020B0503020204020204" pitchFamily="34" charset="-122"/>
+                  <a:ea typeface="微软雅黑" panose="020B0503020204020204" pitchFamily="34" charset="-122"/>
+                  <a:cs typeface="微软雅黑" panose="020B0503020204020204" pitchFamily="34" charset="-122"/>
+                </a:rPr>
+                <a:t>（</a:t>
+              </a:r>
+              <a:r>
+                <a:rPr lang="en-US" altLang="zh-CN" sz="2000" dirty="0">
+                  <a:latin typeface="微软雅黑" panose="020B0503020204020204" pitchFamily="34" charset="-122"/>
+                  <a:ea typeface="微软雅黑" panose="020B0503020204020204" pitchFamily="34" charset="-122"/>
+                  <a:cs typeface="微软雅黑" panose="020B0503020204020204" pitchFamily="34" charset="-122"/>
+                </a:rPr>
+                <a:t>2</a:t>
+              </a:r>
+              <a:r>
+                <a:rPr lang="zh-CN" altLang="zh-CN" sz="2000" dirty="0">
+                  <a:latin typeface="微软雅黑" panose="020B0503020204020204" pitchFamily="34" charset="-122"/>
+                  <a:ea typeface="微软雅黑" panose="020B0503020204020204" pitchFamily="34" charset="-122"/>
+                  <a:cs typeface="微软雅黑" panose="020B0503020204020204" pitchFamily="34" charset="-122"/>
+                </a:rPr>
+                <a:t>）信作为儒家五伦之一</a:t>
+              </a:r>
+              <a:endParaRPr lang="zh-CN" altLang="zh-CN" sz="2000" dirty="0">
                 <a:latin typeface="微软雅黑" panose="020B0503020204020204" pitchFamily="34" charset="-122"/>
                 <a:ea typeface="微软雅黑" panose="020B0503020204020204" pitchFamily="34" charset="-122"/>
                 <a:cs typeface="微软雅黑" panose="020B0503020204020204" pitchFamily="34" charset="-122"/>
@@ -34279,7 +35670,92 @@
                   <a:ea typeface="微软雅黑" panose="020B0503020204020204" pitchFamily="34" charset="-122"/>
                   <a:cs typeface="+mn-cs"/>
                 </a:rPr>
-                <a:t>社会学意义上的信用是指一种价值观念以及建立在这一价值观念基础上的社会关系，是一种基于伦理的信任关系</a:t>
+                <a:t>社会学意义上的信用是指</a:t>
+              </a:r>
+              <a:r>
+                <a:rPr kumimoji="0" lang="zh-CN" altLang="zh-CN" sz="2400" i="0" u="none" strike="noStrike" kern="1200" cap="none" spc="0" normalizeH="0" baseline="0" noProof="0" dirty="0">
+                  <a:ln>
+                    <a:noFill/>
+                  </a:ln>
+                  <a:solidFill>
+                    <a:srgbClr val="00B0F0"/>
+                  </a:solidFill>
+                  <a:effectLst/>
+                  <a:uLnTx/>
+                  <a:uFillTx/>
+                  <a:latin typeface="微软雅黑" panose="020B0503020204020204" pitchFamily="34" charset="-122"/>
+                  <a:ea typeface="微软雅黑" panose="020B0503020204020204" pitchFamily="34" charset="-122"/>
+                  <a:cs typeface="+mn-cs"/>
+                </a:rPr>
+                <a:t>一种价值观念</a:t>
+              </a:r>
+              <a:r>
+                <a:rPr kumimoji="0" lang="zh-CN" altLang="zh-CN" sz="2400" i="0" u="none" strike="noStrike" kern="1200" cap="none" spc="0" normalizeH="0" baseline="0" noProof="0" dirty="0">
+                  <a:ln>
+                    <a:noFill/>
+                  </a:ln>
+                  <a:solidFill>
+                    <a:schemeClr val="tx1"/>
+                  </a:solidFill>
+                  <a:effectLst/>
+                  <a:uLnTx/>
+                  <a:uFillTx/>
+                  <a:latin typeface="微软雅黑" panose="020B0503020204020204" pitchFamily="34" charset="-122"/>
+                  <a:ea typeface="微软雅黑" panose="020B0503020204020204" pitchFamily="34" charset="-122"/>
+                  <a:cs typeface="+mn-cs"/>
+                </a:rPr>
+                <a:t>以及建立在这一价值观念基础上的</a:t>
+              </a:r>
+              <a:r>
+                <a:rPr kumimoji="0" lang="zh-CN" altLang="zh-CN" sz="2400" i="0" u="none" strike="noStrike" kern="1200" cap="none" spc="0" normalizeH="0" baseline="0" noProof="0" dirty="0">
+                  <a:ln>
+                    <a:noFill/>
+                  </a:ln>
+                  <a:solidFill>
+                    <a:srgbClr val="00B0F0"/>
+                  </a:solidFill>
+                  <a:effectLst/>
+                  <a:uLnTx/>
+                  <a:uFillTx/>
+                  <a:latin typeface="微软雅黑" panose="020B0503020204020204" pitchFamily="34" charset="-122"/>
+                  <a:ea typeface="微软雅黑" panose="020B0503020204020204" pitchFamily="34" charset="-122"/>
+                  <a:cs typeface="+mn-cs"/>
+                </a:rPr>
+                <a:t>社会关系</a:t>
+              </a:r>
+              <a:r>
+                <a:rPr kumimoji="0" lang="zh-CN" altLang="zh-CN" sz="2400" i="0" u="none" strike="noStrike" kern="1200" cap="none" spc="0" normalizeH="0" baseline="0" noProof="0" dirty="0">
+                  <a:ln>
+                    <a:noFill/>
+                  </a:ln>
+                  <a:solidFill>
+                    <a:schemeClr val="tx1"/>
+                  </a:solidFill>
+                  <a:effectLst/>
+                  <a:uLnTx/>
+                  <a:uFillTx/>
+                  <a:latin typeface="微软雅黑" panose="020B0503020204020204" pitchFamily="34" charset="-122"/>
+                  <a:ea typeface="微软雅黑" panose="020B0503020204020204" pitchFamily="34" charset="-122"/>
+                  <a:cs typeface="+mn-cs"/>
+                </a:rPr>
+                <a:t>，是一种基于伦理的</a:t>
+              </a:r>
+              <a:r>
+                <a:rPr kumimoji="0" lang="zh-CN" altLang="zh-CN" sz="2400" i="0" u="none" strike="noStrike" kern="1200" cap="none" spc="0" normalizeH="0" baseline="0" noProof="0" dirty="0">
+                  <a:ln>
+                    <a:noFill/>
+                  </a:ln>
+                  <a:solidFill>
+                    <a:srgbClr val="00B0F0"/>
+                  </a:solidFill>
+                  <a:effectLst/>
+                  <a:uLnTx/>
+                  <a:uFillTx/>
+                  <a:latin typeface="微软雅黑" panose="020B0503020204020204" pitchFamily="34" charset="-122"/>
+                  <a:ea typeface="微软雅黑" panose="020B0503020204020204" pitchFamily="34" charset="-122"/>
+                  <a:cs typeface="+mn-cs"/>
+                </a:rPr>
+                <a:t>信任关系</a:t>
               </a:r>
               <a:r>
                 <a:rPr kumimoji="0" lang="zh-CN" altLang="en-US" sz="2400" i="0" u="none" strike="noStrike" kern="1200" cap="none" spc="0" normalizeH="0" baseline="0" noProof="0" dirty="0">
@@ -34838,9 +36314,9 @@
         <p:grpSpPr>
           <a:xfrm>
             <a:off x="1678940" y="918210"/>
-            <a:ext cx="8653145" cy="5258435"/>
+            <a:ext cx="8653145" cy="5824855"/>
             <a:chOff x="53" y="1944"/>
-            <a:chExt cx="13627" cy="8281"/>
+            <a:chExt cx="13627" cy="9173"/>
           </a:xfrm>
         </p:grpSpPr>
         <p:sp>
@@ -39220,7 +40696,7 @@
           <p:spPr>
             <a:xfrm>
               <a:off x="1288" y="5715"/>
-              <a:ext cx="2715" cy="1113"/>
+              <a:ext cx="2715" cy="1598"/>
             </a:xfrm>
             <a:prstGeom prst="rect">
               <a:avLst/>
@@ -39265,7 +40741,7 @@
                   <a:ea typeface="微软雅黑" panose="020B0503020204020204" pitchFamily="34" charset="-122"/>
                   <a:cs typeface="+mn-cs"/>
                 </a:rPr>
-                <a:t>信用源自一种社会心理</a:t>
+                <a:t>信用源自一种社会心理（安全感）</a:t>
               </a:r>
               <a:endParaRPr kumimoji="0" lang="zh-CN" altLang="zh-CN" sz="2000" i="0" u="none" strike="noStrike" kern="1200" cap="none" spc="0" normalizeH="0" baseline="0" noProof="0" dirty="0">
                 <a:ln>
@@ -39292,8 +40768,8 @@
           </p:nvSpPr>
           <p:spPr>
             <a:xfrm>
-              <a:off x="4220" y="3285"/>
-              <a:ext cx="3393" cy="1113"/>
+              <a:off x="3702" y="2947"/>
+              <a:ext cx="3393" cy="1598"/>
             </a:xfrm>
             <a:prstGeom prst="rect">
               <a:avLst/>
@@ -39372,7 +40848,7 @@
                   <a:ea typeface="微软雅黑" panose="020B0503020204020204" pitchFamily="34" charset="-122"/>
                   <a:cs typeface="+mn-cs"/>
                 </a:rPr>
-                <a:t>关系</a:t>
+                <a:t>关系（渗透在现代市场经济）</a:t>
               </a:r>
               <a:endParaRPr kumimoji="0" lang="zh-CN" altLang="zh-CN" sz="2000" i="0" u="none" strike="noStrike" kern="1200" cap="none" spc="0" normalizeH="0" baseline="0" noProof="0" dirty="0">
                 <a:ln>
@@ -39400,7 +40876,7 @@
           <p:spPr>
             <a:xfrm>
               <a:off x="11403" y="5768"/>
-              <a:ext cx="2243" cy="1113"/>
+              <a:ext cx="2243" cy="2567"/>
             </a:xfrm>
             <a:prstGeom prst="rect">
               <a:avLst/>
@@ -39435,7 +40911,7 @@
                   <a:ea typeface="微软雅黑" panose="020B0503020204020204" pitchFamily="34" charset="-122"/>
                   <a:sym typeface="+mn-ea"/>
                 </a:rPr>
-                <a:t>信用具有伦理特征</a:t>
+                <a:t>信用具有伦理特征（约束人们行为的道德准则）</a:t>
               </a:r>
               <a:endParaRPr lang="zh-CN" altLang="zh-CN" sz="2000" noProof="0" dirty="0">
                 <a:ln>
@@ -39460,7 +40936,7 @@
           <p:spPr>
             <a:xfrm>
               <a:off x="10648" y="9035"/>
-              <a:ext cx="2385" cy="1113"/>
+              <a:ext cx="2385" cy="2082"/>
             </a:xfrm>
             <a:prstGeom prst="rect">
               <a:avLst/>
@@ -39495,7 +40971,7 @@
                   <a:ea typeface="微软雅黑" panose="020B0503020204020204" pitchFamily="34" charset="-122"/>
                   <a:sym typeface="+mn-ea"/>
                 </a:rPr>
-                <a:t>信用具有文化特征</a:t>
+                <a:t>信用具有文化特征（东西方对寅吃卯粮的看法）</a:t>
               </a:r>
               <a:endParaRPr lang="zh-CN" altLang="zh-CN" sz="2000" noProof="0" dirty="0">
                 <a:ln>
@@ -39519,15 +40995,15 @@
           </p:nvSpPr>
           <p:spPr>
             <a:xfrm>
-              <a:off x="2320" y="8888"/>
-              <a:ext cx="2383" cy="1113"/>
+              <a:off x="1951" y="8888"/>
+              <a:ext cx="2752" cy="2082"/>
             </a:xfrm>
             <a:prstGeom prst="rect">
               <a:avLst/>
             </a:prstGeom>
           </p:spPr>
           <p:txBody>
-            <a:bodyPr>
+            <a:bodyPr wrap="square">
               <a:spAutoFit/>
             </a:bodyPr>
             <a:lstStyle/>
@@ -39555,7 +41031,7 @@
                   <a:ea typeface="微软雅黑" panose="020B0503020204020204" pitchFamily="34" charset="-122"/>
                   <a:sym typeface="+mn-ea"/>
                 </a:rPr>
-                <a:t>信用具有时代特征</a:t>
+                <a:t>信用具有时代特征（事物不断发展，内涵不断丰富）</a:t>
               </a:r>
               <a:endParaRPr lang="zh-CN" altLang="zh-CN" sz="2000" noProof="0" dirty="0">
                 <a:ln>
@@ -40226,7 +41702,75 @@
                   <a:ea typeface="微软雅黑" panose="020B0503020204020204" pitchFamily="34" charset="-122"/>
                   <a:cs typeface="微软雅黑" panose="020B0503020204020204" pitchFamily="34" charset="-122"/>
                 </a:rPr>
-                <a:t>的财产权给予让度，以交换在将来的某一特定时刻对另外的物品</a:t>
+                <a:t>的</a:t>
+              </a:r>
+              <a:r>
+                <a:rPr kumimoji="0" lang="zh-CN" altLang="zh-CN" sz="2000" b="0" i="0" u="none" strike="noStrike" kern="1200" cap="none" spc="0" normalizeH="0" baseline="0" noProof="0" dirty="0">
+                  <a:ln>
+                    <a:noFill/>
+                  </a:ln>
+                  <a:solidFill>
+                    <a:srgbClr val="00B0F0"/>
+                  </a:solidFill>
+                  <a:effectLst/>
+                  <a:uLnTx/>
+                  <a:uFillTx/>
+                  <a:latin typeface="微软雅黑" panose="020B0503020204020204" pitchFamily="34" charset="-122"/>
+                  <a:ea typeface="微软雅黑" panose="020B0503020204020204" pitchFamily="34" charset="-122"/>
+                  <a:cs typeface="微软雅黑" panose="020B0503020204020204" pitchFamily="34" charset="-122"/>
+                </a:rPr>
+                <a:t>财产权给予让度</a:t>
+              </a:r>
+              <a:r>
+                <a:rPr kumimoji="0" lang="zh-CN" altLang="zh-CN" sz="2000" b="0" i="0" u="none" strike="noStrike" kern="1200" cap="none" spc="0" normalizeH="0" baseline="0" noProof="0" dirty="0">
+                  <a:ln>
+                    <a:noFill/>
+                  </a:ln>
+                  <a:solidFill>
+                    <a:schemeClr val="tx1"/>
+                  </a:solidFill>
+                  <a:effectLst/>
+                  <a:uLnTx/>
+                  <a:uFillTx/>
+                  <a:latin typeface="微软雅黑" panose="020B0503020204020204" pitchFamily="34" charset="-122"/>
+                  <a:ea typeface="微软雅黑" panose="020B0503020204020204" pitchFamily="34" charset="-122"/>
+                  <a:cs typeface="微软雅黑" panose="020B0503020204020204" pitchFamily="34" charset="-122"/>
+                </a:rPr>
+                <a:t>，以交换在</a:t>
+              </a:r>
+              <a:r>
+                <a:rPr kumimoji="0" lang="zh-CN" altLang="zh-CN" sz="2000" b="0" i="0" u="none" strike="noStrike" kern="1200" cap="none" spc="0" normalizeH="0" baseline="0" noProof="0" dirty="0">
+                  <a:ln>
+                    <a:noFill/>
+                  </a:ln>
+                  <a:solidFill>
+                    <a:srgbClr val="00B0F0"/>
+                  </a:solidFill>
+                  <a:effectLst/>
+                  <a:uLnTx/>
+                  <a:uFillTx/>
+                  <a:latin typeface="微软雅黑" panose="020B0503020204020204" pitchFamily="34" charset="-122"/>
+                  <a:ea typeface="微软雅黑" panose="020B0503020204020204" pitchFamily="34" charset="-122"/>
+                  <a:cs typeface="微软雅黑" panose="020B0503020204020204" pitchFamily="34" charset="-122"/>
+                </a:rPr>
+                <a:t>将来</a:t>
+              </a:r>
+              <a:r>
+                <a:rPr kumimoji="0" lang="zh-CN" altLang="zh-CN" sz="2000" b="0" i="0" u="none" strike="noStrike" kern="1200" cap="none" spc="0" normalizeH="0" baseline="0" noProof="0" dirty="0">
+                  <a:ln>
+                    <a:noFill/>
+                  </a:ln>
+                  <a:solidFill>
+                    <a:schemeClr val="tx1"/>
+                  </a:solidFill>
+                  <a:effectLst/>
+                  <a:uLnTx/>
+                  <a:uFillTx/>
+                  <a:latin typeface="微软雅黑" panose="020B0503020204020204" pitchFamily="34" charset="-122"/>
+                  <a:ea typeface="微软雅黑" panose="020B0503020204020204" pitchFamily="34" charset="-122"/>
+                  <a:cs typeface="微软雅黑" panose="020B0503020204020204" pitchFamily="34" charset="-122"/>
+                </a:rPr>
+                <a:t>的某一特定时刻对另外的物品</a:t>
               </a:r>
               <a:r>
                 <a:rPr kumimoji="0" lang="en-US" altLang="zh-CN" sz="2000" b="0" i="0" u="none" strike="noStrike" kern="1200" cap="none" spc="0" normalizeH="0" baseline="0" noProof="0" dirty="0">
@@ -40392,7 +41936,40 @@
                   <a:cs typeface="微软雅黑" panose="020B0503020204020204" pitchFamily="34" charset="-122"/>
                   <a:sym typeface="+mn-ea"/>
                 </a:rPr>
-                <a:t>指在得到或提供货物或服务后并不立即而是允诺在将来付给报酬的做法。</a:t>
+                <a:t>指在得到或提供货物或服务后并不立即而是</a:t>
+              </a:r>
+              <a:r>
+                <a:rPr lang="en-US" altLang="zh-CN" sz="2000" noProof="0" dirty="0">
+                  <a:ln>
+                    <a:noFill/>
+                  </a:ln>
+                  <a:solidFill>
+                    <a:srgbClr val="00B0F0"/>
+                  </a:solidFill>
+                  <a:effectLst/>
+                  <a:uLnTx/>
+                  <a:uFillTx/>
+                  <a:latin typeface="微软雅黑" panose="020B0503020204020204" pitchFamily="34" charset="-122"/>
+                  <a:ea typeface="微软雅黑" panose="020B0503020204020204" pitchFamily="34" charset="-122"/>
+                  <a:cs typeface="微软雅黑" panose="020B0503020204020204" pitchFamily="34" charset="-122"/>
+                  <a:sym typeface="+mn-ea"/>
+                </a:rPr>
+                <a:t>允诺在将来付给报酬</a:t>
+              </a:r>
+              <a:r>
+                <a:rPr lang="en-US" altLang="zh-CN" sz="2000" noProof="0" dirty="0">
+                  <a:ln>
+                    <a:noFill/>
+                  </a:ln>
+                  <a:effectLst/>
+                  <a:uLnTx/>
+                  <a:uFillTx/>
+                  <a:latin typeface="微软雅黑" panose="020B0503020204020204" pitchFamily="34" charset="-122"/>
+                  <a:ea typeface="微软雅黑" panose="020B0503020204020204" pitchFamily="34" charset="-122"/>
+                  <a:cs typeface="微软雅黑" panose="020B0503020204020204" pitchFamily="34" charset="-122"/>
+                  <a:sym typeface="+mn-ea"/>
+                </a:rPr>
+                <a:t>的做法。</a:t>
               </a:r>
               <a:endParaRPr lang="en-US" altLang="zh-CN" sz="2000" noProof="0" dirty="0">
                 <a:ln>
@@ -40628,18 +42205,98 @@
                 <a:buFont typeface="Wingdings" panose="05000000000000000000" pitchFamily="2" charset="2"/>
               </a:pPr>
               <a:r>
-                <a:rPr lang="zh-CN" altLang="zh-CN" b="1" dirty="0">
+                <a:rPr lang="zh-CN" altLang="zh-CN" dirty="0">
                   <a:solidFill>
-                    <a:srgbClr val="FF0000"/>
+                    <a:schemeClr val="tx1"/>
                   </a:solidFill>
                   <a:latin typeface="微软雅黑" panose="020B0503020204020204" pitchFamily="34" charset="-122"/>
                   <a:ea typeface="微软雅黑" panose="020B0503020204020204" pitchFamily="34" charset="-122"/>
                 </a:rPr>
-                <a:t>信用是建立在授信人对受信人偿付承诺的信任的基础上，使受信人不用立即付款就可获得商品、服务或货币的能力。这种能力受到一个条件的约束，即：受信方在其应允的时间期限内为所获得商品、服务或货币付款或付息。这个时间期限必须得到授信方的认可，具有契约强制性。</a:t>
+                <a:t>信用是建立在</a:t>
               </a:r>
-              <a:endParaRPr lang="zh-CN" altLang="zh-CN" b="1" dirty="0">
+              <a:r>
+                <a:rPr lang="zh-CN" altLang="zh-CN" dirty="0">
+                  <a:solidFill>
+                    <a:srgbClr val="00B0F0"/>
+                  </a:solidFill>
+                  <a:latin typeface="微软雅黑" panose="020B0503020204020204" pitchFamily="34" charset="-122"/>
+                  <a:ea typeface="微软雅黑" panose="020B0503020204020204" pitchFamily="34" charset="-122"/>
+                </a:rPr>
+                <a:t>授信人</a:t>
+              </a:r>
+              <a:r>
+                <a:rPr lang="zh-CN" altLang="zh-CN" dirty="0">
+                  <a:solidFill>
+                    <a:schemeClr val="tx1"/>
+                  </a:solidFill>
+                  <a:latin typeface="微软雅黑" panose="020B0503020204020204" pitchFamily="34" charset="-122"/>
+                  <a:ea typeface="微软雅黑" panose="020B0503020204020204" pitchFamily="34" charset="-122"/>
+                </a:rPr>
+                <a:t>对</a:t>
+              </a:r>
+              <a:r>
+                <a:rPr lang="zh-CN" altLang="zh-CN" dirty="0">
+                  <a:solidFill>
+                    <a:srgbClr val="00B0F0"/>
+                  </a:solidFill>
+                  <a:latin typeface="微软雅黑" panose="020B0503020204020204" pitchFamily="34" charset="-122"/>
+                  <a:ea typeface="微软雅黑" panose="020B0503020204020204" pitchFamily="34" charset="-122"/>
+                </a:rPr>
+                <a:t>受信人</a:t>
+              </a:r>
+              <a:r>
+                <a:rPr lang="zh-CN" altLang="zh-CN" dirty="0">
+                  <a:solidFill>
+                    <a:schemeClr val="tx1"/>
+                  </a:solidFill>
+                  <a:latin typeface="微软雅黑" panose="020B0503020204020204" pitchFamily="34" charset="-122"/>
+                  <a:ea typeface="微软雅黑" panose="020B0503020204020204" pitchFamily="34" charset="-122"/>
+                </a:rPr>
+                <a:t>偿付承诺的信任的基础上，使受信人不用立即付款就可获得商品、服务或货币的</a:t>
+              </a:r>
+              <a:r>
+                <a:rPr lang="zh-CN" altLang="zh-CN" dirty="0">
+                  <a:solidFill>
+                    <a:srgbClr val="00B0F0"/>
+                  </a:solidFill>
+                  <a:latin typeface="微软雅黑" panose="020B0503020204020204" pitchFamily="34" charset="-122"/>
+                  <a:ea typeface="微软雅黑" panose="020B0503020204020204" pitchFamily="34" charset="-122"/>
+                </a:rPr>
+                <a:t>能力</a:t>
+              </a:r>
+              <a:r>
+                <a:rPr lang="zh-CN" altLang="zh-CN" dirty="0">
+                  <a:solidFill>
+                    <a:schemeClr val="tx1"/>
+                  </a:solidFill>
+                  <a:latin typeface="微软雅黑" panose="020B0503020204020204" pitchFamily="34" charset="-122"/>
+                  <a:ea typeface="微软雅黑" panose="020B0503020204020204" pitchFamily="34" charset="-122"/>
+                </a:rPr>
+                <a:t>。这种能力受到一个条件的约束，即：受信方在其应允的时间期限内为所获得商品、服务或货币付款或付息。这个时间期限必须得到授信方的认可，具有</a:t>
+              </a:r>
+              <a:r>
+                <a:rPr lang="zh-CN" altLang="zh-CN" dirty="0">
+                  <a:solidFill>
+                    <a:srgbClr val="00B0F0"/>
+                  </a:solidFill>
+                  <a:latin typeface="微软雅黑" panose="020B0503020204020204" pitchFamily="34" charset="-122"/>
+                  <a:ea typeface="微软雅黑" panose="020B0503020204020204" pitchFamily="34" charset="-122"/>
+                </a:rPr>
+                <a:t>契约强制性</a:t>
+              </a:r>
+              <a:r>
+                <a:rPr lang="zh-CN" altLang="zh-CN" dirty="0">
+                  <a:solidFill>
+                    <a:schemeClr val="tx1"/>
+                  </a:solidFill>
+                  <a:latin typeface="微软雅黑" panose="020B0503020204020204" pitchFamily="34" charset="-122"/>
+                  <a:ea typeface="微软雅黑" panose="020B0503020204020204" pitchFamily="34" charset="-122"/>
+                </a:rPr>
+                <a:t>。</a:t>
+              </a:r>
+              <a:endParaRPr lang="zh-CN" altLang="zh-CN" dirty="0">
                 <a:solidFill>
-                  <a:srgbClr val="FF0000"/>
+                  <a:schemeClr val="tx1"/>
                 </a:solidFill>
                 <a:latin typeface="微软雅黑" panose="020B0503020204020204" pitchFamily="34" charset="-122"/>
                 <a:ea typeface="微软雅黑" panose="020B0503020204020204" pitchFamily="34" charset="-122"/>
@@ -41360,12 +43017,52 @@
                 </a:r>
                 <a:r>
                   <a:rPr lang="zh-CN" altLang="en-US" sz="2000" dirty="0">
+                    <a:solidFill>
+                      <a:srgbClr val="00B0F0"/>
+                    </a:solidFill>
                     <a:latin typeface="微软雅黑" panose="020B0503020204020204" pitchFamily="34" charset="-122"/>
                     <a:ea typeface="微软雅黑" panose="020B0503020204020204" pitchFamily="34" charset="-122"/>
                   </a:rPr>
-                  <a:t>授信人对受信人的信任</a:t>
+                  <a:t>授信人</a:t>
                 </a:r>
-                <a:endParaRPr lang="en-US" altLang="zh-CN" sz="2000" dirty="0">
+                <a:r>
+                  <a:rPr lang="zh-CN" altLang="en-US" sz="2000" dirty="0">
+                    <a:latin typeface="微软雅黑" panose="020B0503020204020204" pitchFamily="34" charset="-122"/>
+                    <a:ea typeface="微软雅黑" panose="020B0503020204020204" pitchFamily="34" charset="-122"/>
+                  </a:rPr>
+                  <a:t>对</a:t>
+                </a:r>
+                <a:r>
+                  <a:rPr lang="zh-CN" altLang="en-US" sz="2000" dirty="0">
+                    <a:solidFill>
+                      <a:srgbClr val="00B0F0"/>
+                    </a:solidFill>
+                    <a:latin typeface="微软雅黑" panose="020B0503020204020204" pitchFamily="34" charset="-122"/>
+                    <a:ea typeface="微软雅黑" panose="020B0503020204020204" pitchFamily="34" charset="-122"/>
+                  </a:rPr>
+                  <a:t>受信人</a:t>
+                </a:r>
+                <a:r>
+                  <a:rPr lang="zh-CN" altLang="en-US" sz="2000" dirty="0">
+                    <a:latin typeface="微软雅黑" panose="020B0503020204020204" pitchFamily="34" charset="-122"/>
+                    <a:ea typeface="微软雅黑" panose="020B0503020204020204" pitchFamily="34" charset="-122"/>
+                  </a:rPr>
+                  <a:t>的</a:t>
+                </a:r>
+                <a:r>
+                  <a:rPr lang="zh-CN" altLang="en-US" sz="2000" dirty="0">
+                    <a:solidFill>
+                      <a:srgbClr val="00B0F0"/>
+                    </a:solidFill>
+                    <a:latin typeface="微软雅黑" panose="020B0503020204020204" pitchFamily="34" charset="-122"/>
+                    <a:ea typeface="微软雅黑" panose="020B0503020204020204" pitchFamily="34" charset="-122"/>
+                  </a:rPr>
+                  <a:t>信任</a:t>
+                </a:r>
+                <a:endParaRPr lang="zh-CN" altLang="en-US" sz="2000" dirty="0">
+                  <a:solidFill>
+                    <a:srgbClr val="00B0F0"/>
+                  </a:solidFill>
                   <a:latin typeface="微软雅黑" panose="020B0503020204020204" pitchFamily="34" charset="-122"/>
                   <a:ea typeface="微软雅黑" panose="020B0503020204020204" pitchFamily="34" charset="-122"/>
                 </a:endParaRPr>
@@ -42397,7 +44094,7 @@
             </p:nvSpPr>
             <p:spPr>
               <a:xfrm>
-                <a:off x="3663" y="2304"/>
+                <a:off x="3663" y="2375"/>
                 <a:ext cx="1228" cy="640"/>
               </a:xfrm>
               <a:prstGeom prst="rect">
@@ -42432,11 +44129,21 @@
                     <a:latin typeface="微软雅黑" panose="020B0503020204020204" pitchFamily="34" charset="-122"/>
                     <a:ea typeface="微软雅黑" panose="020B0503020204020204" pitchFamily="34" charset="-122"/>
                   </a:rPr>
-                  <a:t>授予信用和偿还信用的时间限制</a:t>
+                  <a:t>授予信用和偿还信用的</a:t>
                 </a:r>
-                <a:endParaRPr lang="en-US" altLang="zh-CN" sz="2000" dirty="0">
+                <a:r>
+                  <a:rPr lang="zh-CN" altLang="en-US" sz="2000" dirty="0">
+                    <a:solidFill>
+                      <a:srgbClr val="00B0F0"/>
+                    </a:solidFill>
+                    <a:latin typeface="微软雅黑" panose="020B0503020204020204" pitchFamily="34" charset="-122"/>
+                    <a:ea typeface="微软雅黑" panose="020B0503020204020204" pitchFamily="34" charset="-122"/>
+                  </a:rPr>
+                  <a:t>时间限制</a:t>
+                </a:r>
+                <a:endParaRPr lang="zh-CN" altLang="en-US" sz="2000" dirty="0">
                   <a:solidFill>
-                    <a:srgbClr val="130401"/>
+                    <a:srgbClr val="00B0F0"/>
                   </a:solidFill>
                   <a:latin typeface="微软雅黑" panose="020B0503020204020204" pitchFamily="34" charset="-122"/>
                   <a:ea typeface="微软雅黑" panose="020B0503020204020204" pitchFamily="34" charset="-122"/>
@@ -42511,6 +44218,9 @@
               </a:r>
               <a:r>
                 <a:rPr lang="zh-CN" altLang="zh-CN" b="1" dirty="0">
+                  <a:solidFill>
+                    <a:srgbClr val="00B0F0"/>
+                  </a:solidFill>
                   <a:latin typeface="微软雅黑" panose="020B0503020204020204" pitchFamily="34" charset="-122"/>
                   <a:ea typeface="微软雅黑" panose="020B0503020204020204" pitchFamily="34" charset="-122"/>
                 </a:rPr>
@@ -42521,21 +44231,7 @@
                   <a:latin typeface="微软雅黑" panose="020B0503020204020204" pitchFamily="34" charset="-122"/>
                   <a:ea typeface="微软雅黑" panose="020B0503020204020204" pitchFamily="34" charset="-122"/>
                 </a:rPr>
-                <a:t>看，有</a:t>
-              </a:r>
-              <a:r>
-                <a:rPr lang="zh-CN" altLang="zh-CN" b="1" dirty="0">
-                  <a:latin typeface="微软雅黑" panose="020B0503020204020204" pitchFamily="34" charset="-122"/>
-                  <a:ea typeface="微软雅黑" panose="020B0503020204020204" pitchFamily="34" charset="-122"/>
-                </a:rPr>
-                <a:t>两个因素</a:t>
-              </a:r>
-              <a:r>
-                <a:rPr lang="zh-CN" altLang="zh-CN" dirty="0">
-                  <a:latin typeface="微软雅黑" panose="020B0503020204020204" pitchFamily="34" charset="-122"/>
-                  <a:ea typeface="微软雅黑" panose="020B0503020204020204" pitchFamily="34" charset="-122"/>
-                </a:rPr>
-                <a:t>对信用产生重要影响：</a:t>
+                <a:t>看，有两个因素对信用产生重要影响：</a:t>
               </a:r>
               <a:endParaRPr lang="zh-CN" altLang="zh-CN" dirty="0">
                 <a:latin typeface="微软雅黑" panose="020B0503020204020204" pitchFamily="34" charset="-122"/>
@@ -42568,7 +44264,7 @@
               <a:r>
                 <a:rPr lang="zh-CN" altLang="zh-CN" b="1" dirty="0">
                   <a:solidFill>
-                    <a:srgbClr val="130401"/>
+                    <a:srgbClr val="00B0F0"/>
                   </a:solidFill>
                   <a:latin typeface="微软雅黑" panose="020B0503020204020204" pitchFamily="34" charset="-122"/>
                   <a:ea typeface="微软雅黑" panose="020B0503020204020204" pitchFamily="34" charset="-122"/>
@@ -42580,7 +44276,41 @@
                   <a:latin typeface="微软雅黑" panose="020B0503020204020204" pitchFamily="34" charset="-122"/>
                   <a:ea typeface="微软雅黑" panose="020B0503020204020204" pitchFamily="34" charset="-122"/>
                 </a:rPr>
-                <a:t>。履约能力是受信人在特定期限内实现付款或还款的经济能力，与受信人的经济状况有密切关系</a:t>
+                <a:t>。履约能力是受信人在特定期限内实现付款或还款的</a:t>
+              </a:r>
+              <a:r>
+                <a:rPr lang="zh-CN" altLang="zh-CN" dirty="0">
+                  <a:solidFill>
+                    <a:srgbClr val="00B0F0"/>
+                  </a:solidFill>
+                  <a:latin typeface="微软雅黑" panose="020B0503020204020204" pitchFamily="34" charset="-122"/>
+                  <a:ea typeface="微软雅黑" panose="020B0503020204020204" pitchFamily="34" charset="-122"/>
+                </a:rPr>
+                <a:t>经济能力</a:t>
+              </a:r>
+              <a:r>
+                <a:rPr lang="zh-CN" altLang="zh-CN" dirty="0">
+                  <a:latin typeface="微软雅黑" panose="020B0503020204020204" pitchFamily="34" charset="-122"/>
+                  <a:ea typeface="微软雅黑" panose="020B0503020204020204" pitchFamily="34" charset="-122"/>
+                </a:rPr>
+                <a:t>，与受信人的</a:t>
+              </a:r>
+              <a:r>
+                <a:rPr lang="zh-CN" altLang="zh-CN" dirty="0">
+                  <a:solidFill>
+                    <a:srgbClr val="00B0F0"/>
+                  </a:solidFill>
+                  <a:latin typeface="微软雅黑" panose="020B0503020204020204" pitchFamily="34" charset="-122"/>
+                  <a:ea typeface="微软雅黑" panose="020B0503020204020204" pitchFamily="34" charset="-122"/>
+                </a:rPr>
+                <a:t>经济状况</a:t>
+              </a:r>
+              <a:r>
+                <a:rPr lang="zh-CN" altLang="zh-CN" dirty="0">
+                  <a:latin typeface="微软雅黑" panose="020B0503020204020204" pitchFamily="34" charset="-122"/>
+                  <a:ea typeface="微软雅黑" panose="020B0503020204020204" pitchFamily="34" charset="-122"/>
+                </a:rPr>
+                <a:t>有密切关系</a:t>
               </a:r>
               <a:endParaRPr lang="zh-CN" altLang="zh-CN" dirty="0">
                 <a:latin typeface="微软雅黑" panose="020B0503020204020204" pitchFamily="34" charset="-122"/>
@@ -42613,7 +44343,7 @@
               <a:r>
                 <a:rPr lang="zh-CN" altLang="zh-CN" b="1" dirty="0">
                   <a:solidFill>
-                    <a:srgbClr val="130401"/>
+                    <a:srgbClr val="00B0F0"/>
                   </a:solidFill>
                   <a:latin typeface="微软雅黑" panose="020B0503020204020204" pitchFamily="34" charset="-122"/>
                   <a:ea typeface="微软雅黑" panose="020B0503020204020204" pitchFamily="34" charset="-122"/>
@@ -42625,7 +44355,41 @@
                   <a:latin typeface="微软雅黑" panose="020B0503020204020204" pitchFamily="34" charset="-122"/>
                   <a:ea typeface="微软雅黑" panose="020B0503020204020204" pitchFamily="34" charset="-122"/>
                 </a:rPr>
-                <a:t>。履约意愿是指受信人在特定的期限内保证付款或还款的主观意愿，与受信人的道德品质有直接关系</a:t>
+                <a:t>。履约意愿是指受信人在特定的期限内保证付款或还款的</a:t>
+              </a:r>
+              <a:r>
+                <a:rPr lang="zh-CN" altLang="zh-CN" dirty="0">
+                  <a:solidFill>
+                    <a:srgbClr val="00B0F0"/>
+                  </a:solidFill>
+                  <a:latin typeface="微软雅黑" panose="020B0503020204020204" pitchFamily="34" charset="-122"/>
+                  <a:ea typeface="微软雅黑" panose="020B0503020204020204" pitchFamily="34" charset="-122"/>
+                </a:rPr>
+                <a:t>主观意愿</a:t>
+              </a:r>
+              <a:r>
+                <a:rPr lang="zh-CN" altLang="zh-CN" dirty="0">
+                  <a:latin typeface="微软雅黑" panose="020B0503020204020204" pitchFamily="34" charset="-122"/>
+                  <a:ea typeface="微软雅黑" panose="020B0503020204020204" pitchFamily="34" charset="-122"/>
+                </a:rPr>
+                <a:t>，与受信人的</a:t>
+              </a:r>
+              <a:r>
+                <a:rPr lang="zh-CN" altLang="zh-CN" dirty="0">
+                  <a:solidFill>
+                    <a:srgbClr val="00B0F0"/>
+                  </a:solidFill>
+                  <a:latin typeface="微软雅黑" panose="020B0503020204020204" pitchFamily="34" charset="-122"/>
+                  <a:ea typeface="微软雅黑" panose="020B0503020204020204" pitchFamily="34" charset="-122"/>
+                </a:rPr>
+                <a:t>道德品质</a:t>
+              </a:r>
+              <a:r>
+                <a:rPr lang="zh-CN" altLang="zh-CN" dirty="0">
+                  <a:latin typeface="微软雅黑" panose="020B0503020204020204" pitchFamily="34" charset="-122"/>
+                  <a:ea typeface="微软雅黑" panose="020B0503020204020204" pitchFamily="34" charset="-122"/>
+                </a:rPr>
+                <a:t>有直接关系</a:t>
               </a:r>
               <a:endParaRPr lang="zh-CN" altLang="en-US" dirty="0">
                 <a:latin typeface="微软雅黑" panose="020B0503020204020204" pitchFamily="34" charset="-122"/>
@@ -43095,7 +44859,7 @@
         </p:nvGrpSpPr>
         <p:grpSpPr>
           <a:xfrm>
-            <a:off x="1117600" y="1861820"/>
+            <a:off x="1137285" y="1341120"/>
             <a:ext cx="10115550" cy="4085590"/>
             <a:chOff x="1030" y="3623"/>
             <a:chExt cx="13125" cy="5405"/>
@@ -44562,11 +46326,21 @@
                   <a:latin typeface="微软雅黑" panose="020B0503020204020204" pitchFamily="34" charset="-122"/>
                   <a:ea typeface="微软雅黑" panose="020B0503020204020204" pitchFamily="34" charset="-122"/>
                 </a:rPr>
-                <a:t>法律是信用的保证</a:t>
+                <a:t>法律是信用的</a:t>
+              </a:r>
+              <a:r>
+                <a:rPr lang="zh-CN" altLang="zh-CN" sz="2000" b="1" dirty="0">
+                  <a:solidFill>
+                    <a:srgbClr val="00B0F0"/>
+                  </a:solidFill>
+                  <a:latin typeface="微软雅黑" panose="020B0503020204020204" pitchFamily="34" charset="-122"/>
+                  <a:ea typeface="微软雅黑" panose="020B0503020204020204" pitchFamily="34" charset="-122"/>
+                </a:rPr>
+                <a:t>保证</a:t>
               </a:r>
               <a:endParaRPr lang="zh-CN" altLang="zh-CN" sz="2000" b="1" dirty="0">
                 <a:solidFill>
-                  <a:srgbClr val="FFFF00"/>
+                  <a:srgbClr val="00B0F0"/>
                 </a:solidFill>
                 <a:latin typeface="微软雅黑" panose="020B0503020204020204" pitchFamily="34" charset="-122"/>
                 <a:ea typeface="微软雅黑" panose="020B0503020204020204" pitchFamily="34" charset="-122"/>
@@ -44619,7 +46393,29 @@
                   <a:ea typeface="微软雅黑" panose="020B0503020204020204" pitchFamily="34" charset="-122"/>
                   <a:cs typeface="微软雅黑" panose="020B0503020204020204" pitchFamily="34" charset="-122"/>
                 </a:rPr>
-                <a:t>信用是法律的补充 </a:t>
+                <a:t>信用是法律的</a:t>
+              </a:r>
+              <a:r>
+                <a:rPr lang="zh-CN" altLang="zh-CN" sz="2000" b="1" dirty="0">
+                  <a:solidFill>
+                    <a:srgbClr val="00B0F0"/>
+                  </a:solidFill>
+                  <a:latin typeface="微软雅黑" panose="020B0503020204020204" pitchFamily="34" charset="-122"/>
+                  <a:ea typeface="微软雅黑" panose="020B0503020204020204" pitchFamily="34" charset="-122"/>
+                  <a:cs typeface="微软雅黑" panose="020B0503020204020204" pitchFamily="34" charset="-122"/>
+                </a:rPr>
+                <a:t>补充</a:t>
+              </a:r>
+              <a:r>
+                <a:rPr lang="zh-CN" altLang="zh-CN" sz="2000" b="1" dirty="0">
+                  <a:solidFill>
+                    <a:srgbClr val="FFFF00"/>
+                  </a:solidFill>
+                  <a:latin typeface="微软雅黑" panose="020B0503020204020204" pitchFamily="34" charset="-122"/>
+                  <a:ea typeface="微软雅黑" panose="020B0503020204020204" pitchFamily="34" charset="-122"/>
+                  <a:cs typeface="微软雅黑" panose="020B0503020204020204" pitchFamily="34" charset="-122"/>
+                </a:rPr>
+                <a:t> </a:t>
               </a:r>
               <a:endParaRPr lang="zh-CN" altLang="zh-CN" sz="2000" b="1" dirty="0">
                 <a:solidFill>
@@ -44729,12 +46525,22 @@
               <a:r>
                 <a:rPr lang="zh-CN" altLang="zh-CN" sz="2000" b="1" dirty="0">
                   <a:solidFill>
+                    <a:srgbClr val="00B0F0"/>
+                  </a:solidFill>
+                  <a:latin typeface="微软雅黑" panose="020B0503020204020204" pitchFamily="34" charset="-122"/>
+                  <a:ea typeface="微软雅黑" panose="020B0503020204020204" pitchFamily="34" charset="-122"/>
+                </a:rPr>
+                <a:t>履约意愿</a:t>
+              </a:r>
+              <a:r>
+                <a:rPr lang="zh-CN" altLang="zh-CN" sz="2000" b="1" dirty="0">
+                  <a:solidFill>
                     <a:srgbClr val="FFFF00"/>
                   </a:solidFill>
                   <a:latin typeface="微软雅黑" panose="020B0503020204020204" pitchFamily="34" charset="-122"/>
                   <a:ea typeface="微软雅黑" panose="020B0503020204020204" pitchFamily="34" charset="-122"/>
                 </a:rPr>
-                <a:t>履约意愿属于道德和伦理的范畴</a:t>
+                <a:t>属于道德和伦理的范畴</a:t>
               </a:r>
               <a:endParaRPr lang="zh-CN" altLang="zh-CN" sz="2000" b="1" dirty="0">
                 <a:solidFill>
@@ -45477,6 +47283,75 @@
               <a:solidFill>
                 <a:srgbClr val="FFFF00"/>
               </a:solidFill>
+              <a:latin typeface="微软雅黑" panose="020B0503020204020204" pitchFamily="34" charset="-122"/>
+              <a:ea typeface="微软雅黑" panose="020B0503020204020204" pitchFamily="34" charset="-122"/>
+            </a:endParaRPr>
+          </a:p>
+        </p:txBody>
+      </p:sp>
+      <p:sp>
+        <p:nvSpPr>
+          <p:cNvPr id="3" name="文本框 2"/>
+          <p:cNvSpPr txBox="true"/>
+          <p:nvPr/>
+        </p:nvSpPr>
+        <p:spPr>
+          <a:xfrm>
+            <a:off x="1906905" y="5631815"/>
+            <a:ext cx="8947150" cy="922020"/>
+          </a:xfrm>
+          <a:prstGeom prst="rect">
+            <a:avLst/>
+          </a:prstGeom>
+          <a:noFill/>
+        </p:spPr>
+        <p:txBody>
+          <a:bodyPr wrap="square" rtlCol="0">
+            <a:spAutoFit/>
+          </a:bodyPr>
+          <a:p>
+            <a:r>
+              <a:rPr lang="zh-CN" altLang="en-US">
+                <a:latin typeface="微软雅黑" panose="020B0503020204020204" pitchFamily="34" charset="-122"/>
+                <a:ea typeface="微软雅黑" panose="020B0503020204020204" pitchFamily="34" charset="-122"/>
+              </a:rPr>
+              <a:t>广义信用：</a:t>
+            </a:r>
+            <a:r>
+              <a:rPr lang="zh-CN" altLang="en-US">
+                <a:solidFill>
+                  <a:srgbClr val="00B0F0"/>
+                </a:solidFill>
+                <a:latin typeface="微软雅黑" panose="020B0503020204020204" pitchFamily="34" charset="-122"/>
+                <a:ea typeface="微软雅黑" panose="020B0503020204020204" pitchFamily="34" charset="-122"/>
+              </a:rPr>
+              <a:t>狭义信用</a:t>
+            </a:r>
+            <a:r>
+              <a:rPr lang="zh-CN" altLang="en-US">
+                <a:latin typeface="微软雅黑" panose="020B0503020204020204" pitchFamily="34" charset="-122"/>
+                <a:ea typeface="微软雅黑" panose="020B0503020204020204" pitchFamily="34" charset="-122"/>
+              </a:rPr>
+              <a:t>和</a:t>
+            </a:r>
+            <a:r>
+              <a:rPr lang="zh-CN" altLang="en-US">
+                <a:solidFill>
+                  <a:srgbClr val="00B0F0"/>
+                </a:solidFill>
+                <a:latin typeface="微软雅黑" panose="020B0503020204020204" pitchFamily="34" charset="-122"/>
+                <a:ea typeface="微软雅黑" panose="020B0503020204020204" pitchFamily="34" charset="-122"/>
+              </a:rPr>
+              <a:t>诚信</a:t>
+            </a:r>
+            <a:r>
+              <a:rPr lang="zh-CN" altLang="en-US">
+                <a:latin typeface="微软雅黑" panose="020B0503020204020204" pitchFamily="34" charset="-122"/>
+                <a:ea typeface="微软雅黑" panose="020B0503020204020204" pitchFamily="34" charset="-122"/>
+              </a:rPr>
+              <a:t>。狭义信用是指市场主体之间的交易关系和价值流动的特殊方式；诚信反映受信人的可信赖程度，与其道德水平和价值观有关；狭义的信用是纯粹的经济学概念，明确地属于经济学范畴。</a:t>
+            </a:r>
+            <a:endParaRPr lang="zh-CN" altLang="en-US">
               <a:latin typeface="微软雅黑" panose="020B0503020204020204" pitchFamily="34" charset="-122"/>
               <a:ea typeface="微软雅黑" panose="020B0503020204020204" pitchFamily="34" charset="-122"/>
             </a:endParaRPr>

--- a/files/slides/lecture_1.pptx
+++ b/files/slides/lecture_1.pptx
@@ -47241,7 +47241,7 @@
         </p:nvSpPr>
         <p:spPr>
           <a:xfrm>
-            <a:off x="8317230" y="4274185"/>
+            <a:off x="8317230" y="3787140"/>
             <a:ext cx="2536825" cy="337185"/>
           </a:xfrm>
           <a:prstGeom prst="rect">

--- a/files/slides/lecture_1.pptx
+++ b/files/slides/lecture_1.pptx
@@ -30691,7 +30691,7 @@
                 </a:rPr>
                 <a:t>之一。</a:t>
               </a:r>
-              <a:endParaRPr kumimoji="0" lang="" altLang="zh-CN" sz="2000" b="0" i="0" u="none" strike="noStrike" kern="1200" cap="none" spc="0" normalizeH="0" baseline="0" noProof="0" dirty="0">
+              <a:endParaRPr kumimoji="0" lang="en-US" altLang="zh-CN" sz="2000" b="0" i="0" u="none" strike="noStrike" kern="1200" cap="none" spc="0" normalizeH="0" baseline="0" noProof="0" dirty="0">
                 <a:ln>
                   <a:noFill/>
                 </a:ln>
